--- a/modeling/Final_Project_Slides.pptx
+++ b/modeling/Final_Project_Slides.pptx
@@ -38,21 +38,22 @@
     <p:sldId id="282" r:id="rId34"/>
     <p:sldId id="283" r:id="rId35"/>
     <p:sldId id="284" r:id="rId36"/>
+    <p:sldId id="285" r:id="rId37"/>
   </p:sldIdLst>
   <p:sldSz cy="5143500" cx="9144000"/>
   <p:notesSz cx="6858000" cy="9144000"/>
   <p:embeddedFontLst>
     <p:embeddedFont>
       <p:font typeface="Raleway"/>
-      <p:regular r:id="rId37"/>
-      <p:bold r:id="rId38"/>
-      <p:italic r:id="rId39"/>
-      <p:boldItalic r:id="rId40"/>
+      <p:regular r:id="rId38"/>
+      <p:bold r:id="rId39"/>
+      <p:italic r:id="rId40"/>
+      <p:boldItalic r:id="rId41"/>
     </p:embeddedFont>
     <p:embeddedFont>
       <p:font typeface="Inter"/>
-      <p:regular r:id="rId41"/>
-      <p:bold r:id="rId42"/>
+      <p:regular r:id="rId42"/>
+      <p:bold r:id="rId43"/>
     </p:embeddedFont>
   </p:embeddedFontLst>
   <p:defaultTextStyle>
@@ -2705,7 +2706,7 @@
   <p:cSld>
     <p:spTree>
       <p:nvGrpSpPr>
-        <p:cNvPr id="286" name="Shape 286"/>
+        <p:cNvPr id="285" name="Shape 285"/>
         <p:cNvGrpSpPr/>
         <p:nvPr/>
       </p:nvGrpSpPr>
@@ -2719,7 +2720,124 @@
       </p:grpSpPr>
       <p:sp>
         <p:nvSpPr>
-          <p:cNvPr id="287" name="Google Shape;287;g94f0f1578b_0_231:notes"/>
+          <p:cNvPr id="286" name="Google Shape;286;g94f0f1578b_0_294:notes"/>
+          <p:cNvSpPr/>
+          <p:nvPr>
+            <p:ph idx="2" type="sldImg"/>
+          </p:nvPr>
+        </p:nvSpPr>
+        <p:spPr>
+          <a:xfrm>
+            <a:off x="381000" y="685800"/>
+            <a:ext cx="6096000" cy="3429000"/>
+          </a:xfrm>
+          <a:custGeom>
+            <a:rect b="b" l="l" r="r" t="t"/>
+            <a:pathLst>
+              <a:path extrusionOk="0" h="120000" w="120000">
+                <a:moveTo>
+                  <a:pt x="0" y="0"/>
+                </a:moveTo>
+                <a:lnTo>
+                  <a:pt x="120000" y="0"/>
+                </a:lnTo>
+                <a:lnTo>
+                  <a:pt x="120000" y="120000"/>
+                </a:lnTo>
+                <a:lnTo>
+                  <a:pt x="0" y="120000"/>
+                </a:lnTo>
+                <a:close/>
+              </a:path>
+            </a:pathLst>
+          </a:custGeom>
+          <a:noFill/>
+          <a:ln cap="flat" cmpd="sng" w="9525">
+            <a:solidFill>
+              <a:srgbClr val="000000"/>
+            </a:solidFill>
+            <a:prstDash val="solid"/>
+            <a:round/>
+            <a:headEnd len="sm" w="sm" type="none"/>
+            <a:tailEnd len="sm" w="sm" type="none"/>
+          </a:ln>
+        </p:spPr>
+      </p:sp>
+      <p:sp>
+        <p:nvSpPr>
+          <p:cNvPr id="287" name="Google Shape;287;g94f0f1578b_0_294:notes"/>
+          <p:cNvSpPr txBox="1"/>
+          <p:nvPr>
+            <p:ph idx="1" type="body"/>
+          </p:nvPr>
+        </p:nvSpPr>
+        <p:spPr>
+          <a:xfrm>
+            <a:off x="685800" y="4343400"/>
+            <a:ext cx="5486400" cy="4114800"/>
+          </a:xfrm>
+          <a:prstGeom prst="rect">
+            <a:avLst/>
+          </a:prstGeom>
+          <a:noFill/>
+          <a:ln>
+            <a:noFill/>
+          </a:ln>
+        </p:spPr>
+        <p:txBody>
+          <a:bodyPr anchorCtr="0" anchor="t" bIns="91425" lIns="91425" spcFirstLastPara="1" rIns="91425" wrap="square" tIns="91425">
+            <a:noAutofit/>
+          </a:bodyPr>
+          <a:lstStyle/>
+          <a:p>
+            <a:pPr indent="0" lvl="0" marL="0" rtl="0" algn="l">
+              <a:lnSpc>
+                <a:spcPct val="100000"/>
+              </a:lnSpc>
+              <a:spcBef>
+                <a:spcPts val="0"/>
+              </a:spcBef>
+              <a:spcAft>
+                <a:spcPts val="0"/>
+              </a:spcAft>
+              <a:buSzPts val="1100"/>
+              <a:buNone/>
+            </a:pPr>
+            <a:r>
+              <a:t/>
+            </a:r>
+            <a:endParaRPr/>
+          </a:p>
+        </p:txBody>
+      </p:sp>
+    </p:spTree>
+  </p:cSld>
+  <p:clrMapOvr>
+    <a:masterClrMapping/>
+  </p:clrMapOvr>
+</p:notes>
+</file>
+
+<file path=ppt/notesSlides/notesSlide26.xml><?xml version="1.0" encoding="utf-8"?>
+<p:notes xmlns:a="http://schemas.openxmlformats.org/drawingml/2006/main" xmlns:r="http://schemas.openxmlformats.org/officeDocument/2006/relationships" xmlns:mc="http://schemas.openxmlformats.org/markup-compatibility/2006" xmlns:mv="urn:schemas-microsoft-com:mac:vml" xmlns:p="http://schemas.openxmlformats.org/presentationml/2006/main" xmlns:c="http://schemas.openxmlformats.org/drawingml/2006/chart" xmlns:dgm="http://schemas.openxmlformats.org/drawingml/2006/diagram" xmlns:o="urn:schemas-microsoft-com:office:office" xmlns:v="urn:schemas-microsoft-com:vml" xmlns:pvml="urn:schemas-microsoft-com:office:powerpoint" xmlns:com="http://schemas.openxmlformats.org/drawingml/2006/compatibility" xmlns:p14="http://schemas.microsoft.com/office/powerpoint/2010/main" xmlns:p15="http://schemas.microsoft.com/office/powerpoint/2012/main" xmlns:ahyp="http://schemas.microsoft.com/office/drawing/2018/hyperlinkcolor" showMasterPhAnim="0" showMasterSp="0">
+  <p:cSld>
+    <p:spTree>
+      <p:nvGrpSpPr>
+        <p:cNvPr id="294" name="Shape 294"/>
+        <p:cNvGrpSpPr/>
+        <p:nvPr/>
+      </p:nvGrpSpPr>
+      <p:grpSpPr>
+        <a:xfrm>
+          <a:off x="0" y="0"/>
+          <a:ext cx="0" cy="0"/>
+          <a:chOff x="0" y="0"/>
+          <a:chExt cx="0" cy="0"/>
+        </a:xfrm>
+      </p:grpSpPr>
+      <p:sp>
+        <p:nvSpPr>
+          <p:cNvPr id="295" name="Google Shape;295;g94f0f1578b_0_231:notes"/>
           <p:cNvSpPr/>
           <p:nvPr>
             <p:ph idx="2" type="sldImg"/>
@@ -2764,7 +2882,7 @@
       </p:sp>
       <p:sp>
         <p:nvSpPr>
-          <p:cNvPr id="288" name="Google Shape;288;g94f0f1578b_0_231:notes"/>
+          <p:cNvPr id="296" name="Google Shape;296;g94f0f1578b_0_231:notes"/>
           <p:cNvSpPr txBox="1"/>
           <p:nvPr>
             <p:ph idx="1" type="body"/>
@@ -2817,12 +2935,12 @@
 </p:notes>
 </file>
 
-<file path=ppt/notesSlides/notesSlide26.xml><?xml version="1.0" encoding="utf-8"?>
+<file path=ppt/notesSlides/notesSlide27.xml><?xml version="1.0" encoding="utf-8"?>
 <p:notes xmlns:a="http://schemas.openxmlformats.org/drawingml/2006/main" xmlns:r="http://schemas.openxmlformats.org/officeDocument/2006/relationships" xmlns:mc="http://schemas.openxmlformats.org/markup-compatibility/2006" xmlns:mv="urn:schemas-microsoft-com:mac:vml" xmlns:p="http://schemas.openxmlformats.org/presentationml/2006/main" xmlns:c="http://schemas.openxmlformats.org/drawingml/2006/chart" xmlns:dgm="http://schemas.openxmlformats.org/drawingml/2006/diagram" xmlns:o="urn:schemas-microsoft-com:office:office" xmlns:v="urn:schemas-microsoft-com:vml" xmlns:pvml="urn:schemas-microsoft-com:office:powerpoint" xmlns:com="http://schemas.openxmlformats.org/drawingml/2006/compatibility" xmlns:p14="http://schemas.microsoft.com/office/powerpoint/2010/main" xmlns:p15="http://schemas.microsoft.com/office/powerpoint/2012/main" xmlns:ahyp="http://schemas.microsoft.com/office/drawing/2018/hyperlinkcolor" showMasterPhAnim="0" showMasterSp="0">
   <p:cSld>
     <p:spTree>
       <p:nvGrpSpPr>
-        <p:cNvPr id="292" name="Shape 292"/>
+        <p:cNvPr id="300" name="Shape 300"/>
         <p:cNvGrpSpPr/>
         <p:nvPr/>
       </p:nvGrpSpPr>
@@ -2836,7 +2954,7 @@
       </p:grpSpPr>
       <p:sp>
         <p:nvSpPr>
-          <p:cNvPr id="293" name="Google Shape;293;g94f0f1578b_0_250:notes"/>
+          <p:cNvPr id="301" name="Google Shape;301;g94f0f1578b_0_250:notes"/>
           <p:cNvSpPr/>
           <p:nvPr>
             <p:ph idx="2" type="sldImg"/>
@@ -2881,7 +2999,7 @@
       </p:sp>
       <p:sp>
         <p:nvSpPr>
-          <p:cNvPr id="294" name="Google Shape;294;g94f0f1578b_0_250:notes"/>
+          <p:cNvPr id="302" name="Google Shape;302;g94f0f1578b_0_250:notes"/>
           <p:cNvSpPr txBox="1"/>
           <p:nvPr>
             <p:ph idx="1" type="body"/>
@@ -2934,12 +3052,12 @@
 </p:notes>
 </file>
 
-<file path=ppt/notesSlides/notesSlide27.xml><?xml version="1.0" encoding="utf-8"?>
+<file path=ppt/notesSlides/notesSlide28.xml><?xml version="1.0" encoding="utf-8"?>
 <p:notes xmlns:a="http://schemas.openxmlformats.org/drawingml/2006/main" xmlns:r="http://schemas.openxmlformats.org/officeDocument/2006/relationships" xmlns:mc="http://schemas.openxmlformats.org/markup-compatibility/2006" xmlns:mv="urn:schemas-microsoft-com:mac:vml" xmlns:p="http://schemas.openxmlformats.org/presentationml/2006/main" xmlns:c="http://schemas.openxmlformats.org/drawingml/2006/chart" xmlns:dgm="http://schemas.openxmlformats.org/drawingml/2006/diagram" xmlns:o="urn:schemas-microsoft-com:office:office" xmlns:v="urn:schemas-microsoft-com:vml" xmlns:pvml="urn:schemas-microsoft-com:office:powerpoint" xmlns:com="http://schemas.openxmlformats.org/drawingml/2006/compatibility" xmlns:p14="http://schemas.microsoft.com/office/powerpoint/2010/main" xmlns:p15="http://schemas.microsoft.com/office/powerpoint/2012/main" xmlns:ahyp="http://schemas.microsoft.com/office/drawing/2018/hyperlinkcolor" showMasterPhAnim="0" showMasterSp="0">
   <p:cSld>
     <p:spTree>
       <p:nvGrpSpPr>
-        <p:cNvPr id="301" name="Shape 301"/>
+        <p:cNvPr id="309" name="Shape 309"/>
         <p:cNvGrpSpPr/>
         <p:nvPr/>
       </p:nvGrpSpPr>
@@ -2953,7 +3071,7 @@
       </p:grpSpPr>
       <p:sp>
         <p:nvSpPr>
-          <p:cNvPr id="302" name="Google Shape;302;g94f0f1578b_0_236:notes"/>
+          <p:cNvPr id="310" name="Google Shape;310;g94f0f1578b_0_236:notes"/>
           <p:cNvSpPr/>
           <p:nvPr>
             <p:ph idx="2" type="sldImg"/>
@@ -2998,7 +3116,7 @@
       </p:sp>
       <p:sp>
         <p:nvSpPr>
-          <p:cNvPr id="303" name="Google Shape;303;g94f0f1578b_0_236:notes"/>
+          <p:cNvPr id="311" name="Google Shape;311;g94f0f1578b_0_236:notes"/>
           <p:cNvSpPr txBox="1"/>
           <p:nvPr>
             <p:ph idx="1" type="body"/>
@@ -3051,12 +3169,12 @@
 </p:notes>
 </file>
 
-<file path=ppt/notesSlides/notesSlide28.xml><?xml version="1.0" encoding="utf-8"?>
+<file path=ppt/notesSlides/notesSlide29.xml><?xml version="1.0" encoding="utf-8"?>
 <p:notes xmlns:a="http://schemas.openxmlformats.org/drawingml/2006/main" xmlns:r="http://schemas.openxmlformats.org/officeDocument/2006/relationships" xmlns:mc="http://schemas.openxmlformats.org/markup-compatibility/2006" xmlns:mv="urn:schemas-microsoft-com:mac:vml" xmlns:p="http://schemas.openxmlformats.org/presentationml/2006/main" xmlns:c="http://schemas.openxmlformats.org/drawingml/2006/chart" xmlns:dgm="http://schemas.openxmlformats.org/drawingml/2006/diagram" xmlns:o="urn:schemas-microsoft-com:office:office" xmlns:v="urn:schemas-microsoft-com:vml" xmlns:pvml="urn:schemas-microsoft-com:office:powerpoint" xmlns:com="http://schemas.openxmlformats.org/drawingml/2006/compatibility" xmlns:p14="http://schemas.microsoft.com/office/powerpoint/2010/main" xmlns:p15="http://schemas.microsoft.com/office/powerpoint/2012/main" xmlns:ahyp="http://schemas.microsoft.com/office/drawing/2018/hyperlinkcolor" showMasterPhAnim="0" showMasterSp="0">
   <p:cSld>
     <p:spTree>
       <p:nvGrpSpPr>
-        <p:cNvPr id="307" name="Shape 307"/>
+        <p:cNvPr id="315" name="Shape 315"/>
         <p:cNvGrpSpPr/>
         <p:nvPr/>
       </p:nvGrpSpPr>
@@ -3070,7 +3188,7 @@
       </p:grpSpPr>
       <p:sp>
         <p:nvSpPr>
-          <p:cNvPr id="308" name="Google Shape;308;g94f0f1578b_0_241:notes"/>
+          <p:cNvPr id="316" name="Google Shape;316;g94f0f1578b_0_241:notes"/>
           <p:cNvSpPr/>
           <p:nvPr>
             <p:ph idx="2" type="sldImg"/>
@@ -3115,124 +3233,7 @@
       </p:sp>
       <p:sp>
         <p:nvSpPr>
-          <p:cNvPr id="309" name="Google Shape;309;g94f0f1578b_0_241:notes"/>
-          <p:cNvSpPr txBox="1"/>
-          <p:nvPr>
-            <p:ph idx="1" type="body"/>
-          </p:nvPr>
-        </p:nvSpPr>
-        <p:spPr>
-          <a:xfrm>
-            <a:off x="685800" y="4343400"/>
-            <a:ext cx="5486400" cy="4114800"/>
-          </a:xfrm>
-          <a:prstGeom prst="rect">
-            <a:avLst/>
-          </a:prstGeom>
-          <a:noFill/>
-          <a:ln>
-            <a:noFill/>
-          </a:ln>
-        </p:spPr>
-        <p:txBody>
-          <a:bodyPr anchorCtr="0" anchor="t" bIns="91425" lIns="91425" spcFirstLastPara="1" rIns="91425" wrap="square" tIns="91425">
-            <a:noAutofit/>
-          </a:bodyPr>
-          <a:lstStyle/>
-          <a:p>
-            <a:pPr indent="0" lvl="0" marL="0" rtl="0" algn="l">
-              <a:lnSpc>
-                <a:spcPct val="100000"/>
-              </a:lnSpc>
-              <a:spcBef>
-                <a:spcPts val="0"/>
-              </a:spcBef>
-              <a:spcAft>
-                <a:spcPts val="0"/>
-              </a:spcAft>
-              <a:buSzPts val="1100"/>
-              <a:buNone/>
-            </a:pPr>
-            <a:r>
-              <a:t/>
-            </a:r>
-            <a:endParaRPr/>
-          </a:p>
-        </p:txBody>
-      </p:sp>
-    </p:spTree>
-  </p:cSld>
-  <p:clrMapOvr>
-    <a:masterClrMapping/>
-  </p:clrMapOvr>
-</p:notes>
-</file>
-
-<file path=ppt/notesSlides/notesSlide29.xml><?xml version="1.0" encoding="utf-8"?>
-<p:notes xmlns:a="http://schemas.openxmlformats.org/drawingml/2006/main" xmlns:r="http://schemas.openxmlformats.org/officeDocument/2006/relationships" xmlns:mc="http://schemas.openxmlformats.org/markup-compatibility/2006" xmlns:mv="urn:schemas-microsoft-com:mac:vml" xmlns:p="http://schemas.openxmlformats.org/presentationml/2006/main" xmlns:c="http://schemas.openxmlformats.org/drawingml/2006/chart" xmlns:dgm="http://schemas.openxmlformats.org/drawingml/2006/diagram" xmlns:o="urn:schemas-microsoft-com:office:office" xmlns:v="urn:schemas-microsoft-com:vml" xmlns:pvml="urn:schemas-microsoft-com:office:powerpoint" xmlns:com="http://schemas.openxmlformats.org/drawingml/2006/compatibility" xmlns:p14="http://schemas.microsoft.com/office/powerpoint/2010/main" xmlns:p15="http://schemas.microsoft.com/office/powerpoint/2012/main" xmlns:ahyp="http://schemas.microsoft.com/office/drawing/2018/hyperlinkcolor" showMasterPhAnim="0" showMasterSp="0">
-  <p:cSld>
-    <p:spTree>
-      <p:nvGrpSpPr>
-        <p:cNvPr id="316" name="Shape 316"/>
-        <p:cNvGrpSpPr/>
-        <p:nvPr/>
-      </p:nvGrpSpPr>
-      <p:grpSpPr>
-        <a:xfrm>
-          <a:off x="0" y="0"/>
-          <a:ext cx="0" cy="0"/>
-          <a:chOff x="0" y="0"/>
-          <a:chExt cx="0" cy="0"/>
-        </a:xfrm>
-      </p:grpSpPr>
-      <p:sp>
-        <p:nvSpPr>
-          <p:cNvPr id="317" name="Google Shape;317;g94f0f1578b_2_146:notes"/>
-          <p:cNvSpPr/>
-          <p:nvPr>
-            <p:ph idx="2" type="sldImg"/>
-          </p:nvPr>
-        </p:nvSpPr>
-        <p:spPr>
-          <a:xfrm>
-            <a:off x="381000" y="685800"/>
-            <a:ext cx="6096000" cy="3429000"/>
-          </a:xfrm>
-          <a:custGeom>
-            <a:rect b="b" l="l" r="r" t="t"/>
-            <a:pathLst>
-              <a:path extrusionOk="0" h="120000" w="120000">
-                <a:moveTo>
-                  <a:pt x="0" y="0"/>
-                </a:moveTo>
-                <a:lnTo>
-                  <a:pt x="120000" y="0"/>
-                </a:lnTo>
-                <a:lnTo>
-                  <a:pt x="120000" y="120000"/>
-                </a:lnTo>
-                <a:lnTo>
-                  <a:pt x="0" y="120000"/>
-                </a:lnTo>
-                <a:close/>
-              </a:path>
-            </a:pathLst>
-          </a:custGeom>
-          <a:noFill/>
-          <a:ln cap="flat" cmpd="sng" w="9525">
-            <a:solidFill>
-              <a:srgbClr val="000000"/>
-            </a:solidFill>
-            <a:prstDash val="solid"/>
-            <a:round/>
-            <a:headEnd len="sm" w="sm" type="none"/>
-            <a:tailEnd len="sm" w="sm" type="none"/>
-          </a:ln>
-        </p:spPr>
-      </p:sp>
-      <p:sp>
-        <p:nvSpPr>
-          <p:cNvPr id="318" name="Google Shape;318;g94f0f1578b_2_146:notes"/>
+          <p:cNvPr id="317" name="Google Shape;317;g94f0f1578b_0_241:notes"/>
           <p:cNvSpPr txBox="1"/>
           <p:nvPr>
             <p:ph idx="1" type="body"/>
@@ -3350,6 +3351,123 @@
       <p:sp>
         <p:nvSpPr>
           <p:cNvPr id="113" name="Google Shape;113;g94f0f1578b_2_60:notes"/>
+          <p:cNvSpPr txBox="1"/>
+          <p:nvPr>
+            <p:ph idx="1" type="body"/>
+          </p:nvPr>
+        </p:nvSpPr>
+        <p:spPr>
+          <a:xfrm>
+            <a:off x="685800" y="4343400"/>
+            <a:ext cx="5486400" cy="4114800"/>
+          </a:xfrm>
+          <a:prstGeom prst="rect">
+            <a:avLst/>
+          </a:prstGeom>
+          <a:noFill/>
+          <a:ln>
+            <a:noFill/>
+          </a:ln>
+        </p:spPr>
+        <p:txBody>
+          <a:bodyPr anchorCtr="0" anchor="t" bIns="91425" lIns="91425" spcFirstLastPara="1" rIns="91425" wrap="square" tIns="91425">
+            <a:noAutofit/>
+          </a:bodyPr>
+          <a:lstStyle/>
+          <a:p>
+            <a:pPr indent="0" lvl="0" marL="0" rtl="0" algn="l">
+              <a:lnSpc>
+                <a:spcPct val="100000"/>
+              </a:lnSpc>
+              <a:spcBef>
+                <a:spcPts val="0"/>
+              </a:spcBef>
+              <a:spcAft>
+                <a:spcPts val="0"/>
+              </a:spcAft>
+              <a:buSzPts val="1100"/>
+              <a:buNone/>
+            </a:pPr>
+            <a:r>
+              <a:t/>
+            </a:r>
+            <a:endParaRPr/>
+          </a:p>
+        </p:txBody>
+      </p:sp>
+    </p:spTree>
+  </p:cSld>
+  <p:clrMapOvr>
+    <a:masterClrMapping/>
+  </p:clrMapOvr>
+</p:notes>
+</file>
+
+<file path=ppt/notesSlides/notesSlide30.xml><?xml version="1.0" encoding="utf-8"?>
+<p:notes xmlns:a="http://schemas.openxmlformats.org/drawingml/2006/main" xmlns:r="http://schemas.openxmlformats.org/officeDocument/2006/relationships" xmlns:mc="http://schemas.openxmlformats.org/markup-compatibility/2006" xmlns:mv="urn:schemas-microsoft-com:mac:vml" xmlns:p="http://schemas.openxmlformats.org/presentationml/2006/main" xmlns:c="http://schemas.openxmlformats.org/drawingml/2006/chart" xmlns:dgm="http://schemas.openxmlformats.org/drawingml/2006/diagram" xmlns:o="urn:schemas-microsoft-com:office:office" xmlns:v="urn:schemas-microsoft-com:vml" xmlns:pvml="urn:schemas-microsoft-com:office:powerpoint" xmlns:com="http://schemas.openxmlformats.org/drawingml/2006/compatibility" xmlns:p14="http://schemas.microsoft.com/office/powerpoint/2010/main" xmlns:p15="http://schemas.microsoft.com/office/powerpoint/2012/main" xmlns:ahyp="http://schemas.microsoft.com/office/drawing/2018/hyperlinkcolor" showMasterPhAnim="0" showMasterSp="0">
+  <p:cSld>
+    <p:spTree>
+      <p:nvGrpSpPr>
+        <p:cNvPr id="324" name="Shape 324"/>
+        <p:cNvGrpSpPr/>
+        <p:nvPr/>
+      </p:nvGrpSpPr>
+      <p:grpSpPr>
+        <a:xfrm>
+          <a:off x="0" y="0"/>
+          <a:ext cx="0" cy="0"/>
+          <a:chOff x="0" y="0"/>
+          <a:chExt cx="0" cy="0"/>
+        </a:xfrm>
+      </p:grpSpPr>
+      <p:sp>
+        <p:nvSpPr>
+          <p:cNvPr id="325" name="Google Shape;325;g94f0f1578b_2_146:notes"/>
+          <p:cNvSpPr/>
+          <p:nvPr>
+            <p:ph idx="2" type="sldImg"/>
+          </p:nvPr>
+        </p:nvSpPr>
+        <p:spPr>
+          <a:xfrm>
+            <a:off x="381000" y="685800"/>
+            <a:ext cx="6096000" cy="3429000"/>
+          </a:xfrm>
+          <a:custGeom>
+            <a:rect b="b" l="l" r="r" t="t"/>
+            <a:pathLst>
+              <a:path extrusionOk="0" h="120000" w="120000">
+                <a:moveTo>
+                  <a:pt x="0" y="0"/>
+                </a:moveTo>
+                <a:lnTo>
+                  <a:pt x="120000" y="0"/>
+                </a:lnTo>
+                <a:lnTo>
+                  <a:pt x="120000" y="120000"/>
+                </a:lnTo>
+                <a:lnTo>
+                  <a:pt x="0" y="120000"/>
+                </a:lnTo>
+                <a:close/>
+              </a:path>
+            </a:pathLst>
+          </a:custGeom>
+          <a:noFill/>
+          <a:ln cap="flat" cmpd="sng" w="9525">
+            <a:solidFill>
+              <a:srgbClr val="000000"/>
+            </a:solidFill>
+            <a:prstDash val="solid"/>
+            <a:round/>
+            <a:headEnd len="sm" w="sm" type="none"/>
+            <a:tailEnd len="sm" w="sm" type="none"/>
+          </a:ln>
+        </p:spPr>
+      </p:sp>
+      <p:sp>
+        <p:nvSpPr>
+          <p:cNvPr id="326" name="Google Shape;326;g94f0f1578b_2_146:notes"/>
           <p:cNvSpPr txBox="1"/>
           <p:nvPr>
             <p:ph idx="1" type="body"/>
@@ -19820,7 +19938,7 @@
           <p:nvPr/>
         </p:nvGraphicFramePr>
         <p:xfrm>
-          <a:off x="1353014" y="1912431"/>
+          <a:off x="823601" y="1102231"/>
           <a:ext cx="3000000" cy="3000000"/>
         </p:xfrm>
         <a:graphic>
@@ -19828,14 +19946,15 @@
             <a:tbl>
               <a:tblPr bandRow="1" firstRow="1">
                 <a:noFill/>
-                <a:tableStyleId>{F67FCFDF-0261-478D-A26D-078A8AA21F42}</a:tableStyleId>
+                <a:tableStyleId>{69B06867-93D9-419C-94BB-D42DDA664F6D}</a:tableStyleId>
               </a:tblPr>
               <a:tblGrid>
-                <a:gridCol w="1394325"/>
-                <a:gridCol w="1394325"/>
-                <a:gridCol w="1394325"/>
+                <a:gridCol w="2093075"/>
+                <a:gridCol w="1532750"/>
+                <a:gridCol w="1812925"/>
+                <a:gridCol w="1812925"/>
               </a:tblGrid>
-              <a:tr h="421100">
+              <a:tr h="693925">
                 <a:tc>
                   <a:txBody>
                     <a:bodyPr/>
@@ -19854,8 +19973,111 @@
                         <a:buNone/>
                       </a:pPr>
                       <a:r>
-                        <a:rPr lang="en" sz="1400" u="none" cap="none" strike="noStrike"/>
-                        <a:t>Modèle</a:t>
+                        <a:rPr lang="en"/>
+                        <a:t>Models/score</a:t>
+                      </a:r>
+                      <a:endParaRPr sz="1400" u="none" cap="none" strike="noStrike"/>
+                    </a:p>
+                  </a:txBody>
+                  <a:tcPr marT="45725" marB="45725" marR="91450" marL="91450">
+                    <a:lnB cap="flat" cmpd="sng" w="12700">
+                      <a:solidFill>
+                        <a:schemeClr val="lt1"/>
+                      </a:solidFill>
+                      <a:prstDash val="solid"/>
+                      <a:round/>
+                      <a:headEnd len="sm" w="sm" type="none"/>
+                      <a:tailEnd len="sm" w="sm" type="none"/>
+                    </a:lnB>
+                  </a:tcPr>
+                </a:tc>
+                <a:tc>
+                  <a:txBody>
+                    <a:bodyPr/>
+                    <a:lstStyle/>
+                    <a:p>
+                      <a:pPr indent="0" lvl="0" marL="0" rtl="0" algn="l">
+                        <a:spcBef>
+                          <a:spcPts val="0"/>
+                        </a:spcBef>
+                        <a:spcAft>
+                          <a:spcPts val="0"/>
+                        </a:spcAft>
+                        <a:buClr>
+                          <a:schemeClr val="dk1"/>
+                        </a:buClr>
+                        <a:buFont typeface="Arial"/>
+                        <a:buNone/>
+                      </a:pPr>
+                      <a:r>
+                        <a:rPr b="0" lang="en">
+                          <a:solidFill>
+                            <a:schemeClr val="dk1"/>
+                          </a:solidFill>
+                        </a:rPr>
+                        <a:t>Régression Linéaire</a:t>
+                      </a:r>
+                      <a:endParaRPr/>
+                    </a:p>
+                  </a:txBody>
+                  <a:tcPr marT="45725" marB="45725" marR="91450" marL="91450"/>
+                </a:tc>
+                <a:tc>
+                  <a:txBody>
+                    <a:bodyPr/>
+                    <a:lstStyle/>
+                    <a:p>
+                      <a:pPr indent="0" lvl="0" marL="0" rtl="0" algn="l">
+                        <a:spcBef>
+                          <a:spcPts val="0"/>
+                        </a:spcBef>
+                        <a:spcAft>
+                          <a:spcPts val="0"/>
+                        </a:spcAft>
+                        <a:buClr>
+                          <a:schemeClr val="dk1"/>
+                        </a:buClr>
+                        <a:buFont typeface="Arial"/>
+                        <a:buNone/>
+                      </a:pPr>
+                      <a:r>
+                        <a:rPr b="0" lang="en">
+                          <a:solidFill>
+                            <a:schemeClr val="dk1"/>
+                          </a:solidFill>
+                        </a:rPr>
+                        <a:t>Random Forest</a:t>
+                      </a:r>
+                      <a:endParaRPr/>
+                    </a:p>
+                  </a:txBody>
+                  <a:tcPr marT="45725" marB="45725" marR="91450" marL="91450"/>
+                </a:tc>
+                <a:tc>
+                  <a:txBody>
+                    <a:bodyPr/>
+                    <a:lstStyle/>
+                    <a:p>
+                      <a:pPr indent="0" lvl="0" marL="0" rtl="0" algn="l">
+                        <a:spcBef>
+                          <a:spcPts val="0"/>
+                        </a:spcBef>
+                        <a:spcAft>
+                          <a:spcPts val="0"/>
+                        </a:spcAft>
+                        <a:buClr>
+                          <a:schemeClr val="dk1"/>
+                        </a:buClr>
+                        <a:buFont typeface="Arial"/>
+                        <a:buNone/>
+                      </a:pPr>
+                      <a:r>
+                        <a:rPr b="0" lang="en">
+                          <a:solidFill>
+                            <a:schemeClr val="dk1"/>
+                          </a:solidFill>
+                        </a:rPr>
+                        <a:t>XGboost</a:t>
                       </a:r>
                       <a:endParaRPr/>
                     </a:p>
@@ -19870,6 +20092,126 @@
                       <a:headEnd len="sm" w="sm" type="none"/>
                       <a:tailEnd len="sm" w="sm" type="none"/>
                     </a:lnB>
+                  </a:tcPr>
+                </a:tc>
+              </a:tr>
+              <a:tr h="775600">
+                <a:tc>
+                  <a:txBody>
+                    <a:bodyPr/>
+                    <a:lstStyle/>
+                    <a:p>
+                      <a:pPr indent="0" lvl="0" marL="0" marR="0" rtl="0" algn="l">
+                        <a:lnSpc>
+                          <a:spcPct val="100000"/>
+                        </a:lnSpc>
+                        <a:spcBef>
+                          <a:spcPts val="0"/>
+                        </a:spcBef>
+                        <a:spcAft>
+                          <a:spcPts val="0"/>
+                        </a:spcAft>
+                        <a:buNone/>
+                      </a:pPr>
+                      <a:r>
+                        <a:rPr lang="en"/>
+                        <a:t>Before Feature selection</a:t>
+                      </a:r>
+                      <a:endParaRPr/>
+                    </a:p>
+                    <a:p>
+                      <a:pPr indent="0" lvl="0" marL="0" marR="0" rtl="0" algn="l">
+                        <a:lnSpc>
+                          <a:spcPct val="100000"/>
+                        </a:lnSpc>
+                        <a:spcBef>
+                          <a:spcPts val="0"/>
+                        </a:spcBef>
+                        <a:spcAft>
+                          <a:spcPts val="0"/>
+                        </a:spcAft>
+                        <a:buNone/>
+                      </a:pPr>
+                      <a:r>
+                        <a:rPr lang="en"/>
+                        <a:t>z</a:t>
+                      </a:r>
+                      <a:endParaRPr/>
+                    </a:p>
+                  </a:txBody>
+                  <a:tcPr marT="45725" marB="45725" marR="91450" marL="91450">
+                    <a:lnT cap="flat" cmpd="sng" w="12700">
+                      <a:solidFill>
+                        <a:schemeClr val="lt1"/>
+                      </a:solidFill>
+                      <a:prstDash val="solid"/>
+                      <a:round/>
+                      <a:headEnd len="sm" w="sm" type="none"/>
+                      <a:tailEnd len="sm" w="sm" type="none"/>
+                    </a:lnT>
+                    <a:lnB cap="flat" cmpd="sng" w="12700">
+                      <a:solidFill>
+                        <a:schemeClr val="lt1"/>
+                      </a:solidFill>
+                      <a:prstDash val="solid"/>
+                      <a:round/>
+                      <a:headEnd len="sm" w="sm" type="none"/>
+                      <a:tailEnd len="sm" w="sm" type="none"/>
+                    </a:lnB>
+                  </a:tcPr>
+                </a:tc>
+                <a:tc>
+                  <a:txBody>
+                    <a:bodyPr/>
+                    <a:lstStyle/>
+                    <a:p>
+                      <a:pPr indent="0" lvl="0" marL="0" rtl="0" algn="l">
+                        <a:spcBef>
+                          <a:spcPts val="0"/>
+                        </a:spcBef>
+                        <a:spcAft>
+                          <a:spcPts val="0"/>
+                        </a:spcAft>
+                        <a:buNone/>
+                      </a:pPr>
+                      <a:r>
+                        <a:t/>
+                      </a:r>
+                      <a:endParaRPr/>
+                    </a:p>
+                  </a:txBody>
+                  <a:tcPr marT="45725" marB="45725" marR="91450" marL="91450"/>
+                </a:tc>
+                <a:tc>
+                  <a:txBody>
+                    <a:bodyPr/>
+                    <a:lstStyle/>
+                    <a:p>
+                      <a:pPr indent="0" lvl="0" marL="0" rtl="0" algn="l">
+                        <a:spcBef>
+                          <a:spcPts val="0"/>
+                        </a:spcBef>
+                        <a:spcAft>
+                          <a:spcPts val="0"/>
+                        </a:spcAft>
+                        <a:buNone/>
+                      </a:pPr>
+                      <a:r>
+                        <a:t/>
+                      </a:r>
+                      <a:endParaRPr/>
+                    </a:p>
+                  </a:txBody>
+                  <a:tcPr marT="45725" marB="45725" marR="91450" marL="91450">
+                    <a:lnR cap="flat" cmpd="sng" w="12700">
+                      <a:solidFill>
+                        <a:schemeClr val="lt1"/>
+                      </a:solidFill>
+                      <a:prstDash val="solid"/>
+                      <a:round/>
+                      <a:headEnd len="sm" w="sm" type="none"/>
+                      <a:tailEnd len="sm" w="sm" type="none"/>
+                    </a:lnR>
                   </a:tcPr>
                 </a:tc>
                 <a:tc>
@@ -19890,14 +20232,52 @@
                         <a:buNone/>
                       </a:pPr>
                       <a:r>
-                        <a:rPr lang="en"/>
-                        <a:t>MSE</a:t>
+                        <a:t/>
                       </a:r>
-                      <a:endParaRPr sz="1400" u="none" cap="none" strike="noStrike"/>
+                      <a:endParaRPr/>
                     </a:p>
                   </a:txBody>
-                  <a:tcPr marT="45725" marB="45725" marR="91450" marL="91450"/>
+                  <a:tcPr marT="45725" marB="45725" marR="91450" marL="91450">
+                    <a:lnL cap="flat" cmpd="sng" w="12700">
+                      <a:solidFill>
+                        <a:schemeClr val="lt1"/>
+                      </a:solidFill>
+                      <a:prstDash val="solid"/>
+                      <a:round/>
+                      <a:headEnd len="sm" w="sm" type="none"/>
+                      <a:tailEnd len="sm" w="sm" type="none"/>
+                    </a:lnL>
+                    <a:lnR cap="flat" cmpd="sng" w="12700">
+                      <a:solidFill>
+                        <a:schemeClr val="lt1"/>
+                      </a:solidFill>
+                      <a:prstDash val="solid"/>
+                      <a:round/>
+                      <a:headEnd len="sm" w="sm" type="none"/>
+                      <a:tailEnd len="sm" w="sm" type="none"/>
+                    </a:lnR>
+                    <a:lnT cap="flat" cmpd="sng" w="12700">
+                      <a:solidFill>
+                        <a:schemeClr val="lt1"/>
+                      </a:solidFill>
+                      <a:prstDash val="solid"/>
+                      <a:round/>
+                      <a:headEnd len="sm" w="sm" type="none"/>
+                      <a:tailEnd len="sm" w="sm" type="none"/>
+                    </a:lnT>
+                    <a:lnB cap="flat" cmpd="sng" w="38100">
+                      <a:solidFill>
+                        <a:schemeClr val="lt1"/>
+                      </a:solidFill>
+                      <a:prstDash val="solid"/>
+                      <a:round/>
+                      <a:headEnd len="sm" w="sm" type="none"/>
+                      <a:tailEnd len="sm" w="sm" type="none"/>
+                    </a:lnB>
+                  </a:tcPr>
                 </a:tc>
+              </a:tr>
+              <a:tr h="641450">
                 <a:tc>
                   <a:txBody>
                     <a:bodyPr/>
@@ -19913,43 +20293,14 @@
                         <a:spcAft>
                           <a:spcPts val="0"/>
                         </a:spcAft>
+                        <a:buClr>
+                          <a:srgbClr val="000000"/>
+                        </a:buClr>
+                        <a:buFont typeface="Arial"/>
                         <a:buNone/>
                       </a:pPr>
                       <a:r>
-                        <a:rPr lang="en"/>
-                        <a:t>R2 score</a:t>
-                      </a:r>
-                      <a:endParaRPr/>
-                    </a:p>
-                  </a:txBody>
-                  <a:tcPr marT="45725" marB="45725" marR="91450" marL="91450"/>
-                </a:tc>
-              </a:tr>
-              <a:tr h="592575">
-                <a:tc>
-                  <a:txBody>
-                    <a:bodyPr/>
-                    <a:lstStyle/>
-                    <a:p>
-                      <a:pPr indent="0" lvl="0" marL="0" marR="0" rtl="0" algn="l">
-                        <a:lnSpc>
-                          <a:spcPct val="100000"/>
-                        </a:lnSpc>
-                        <a:spcBef>
-                          <a:spcPts val="0"/>
-                        </a:spcBef>
-                        <a:spcAft>
-                          <a:spcPts val="0"/>
-                        </a:spcAft>
-                        <a:buNone/>
-                      </a:pPr>
-                      <a:r>
-                        <a:rPr lang="en"/>
-                        <a:t>Régression</a:t>
-                      </a:r>
-                      <a:r>
-                        <a:rPr lang="en" sz="1400" u="none" cap="none" strike="noStrike"/>
-                        <a:t> Linéaire</a:t>
+                        <a:t/>
                       </a:r>
                       <a:endParaRPr/>
                     </a:p>
@@ -20053,8 +20404,6 @@
                   </a:txBody>
                   <a:tcPr marT="45725" marB="45725" marR="91450" marL="91450"/>
                 </a:tc>
-              </a:tr>
-              <a:tr h="592575">
                 <a:tc>
                   <a:txBody>
                     <a:bodyPr/>
@@ -20073,8 +20422,48 @@
                         <a:buNone/>
                       </a:pPr>
                       <a:r>
-                        <a:rPr lang="en" sz="1400" u="none" cap="none" strike="noStrike"/>
-                        <a:t>Random Forest</a:t>
+                        <a:t/>
+                      </a:r>
+                      <a:endParaRPr sz="1400" u="none" cap="none" strike="noStrike"/>
+                    </a:p>
+                  </a:txBody>
+                  <a:tcPr marT="45725" marB="45725" marR="91450" marL="91450">
+                    <a:lnT cap="flat" cmpd="sng" w="38100">
+                      <a:solidFill>
+                        <a:schemeClr val="lt1"/>
+                      </a:solidFill>
+                      <a:prstDash val="solid"/>
+                      <a:round/>
+                      <a:headEnd len="sm" w="sm" type="none"/>
+                      <a:tailEnd len="sm" w="sm" type="none"/>
+                    </a:lnT>
+                  </a:tcPr>
+                </a:tc>
+              </a:tr>
+              <a:tr h="978725">
+                <a:tc>
+                  <a:txBody>
+                    <a:bodyPr/>
+                    <a:lstStyle/>
+                    <a:p>
+                      <a:pPr indent="0" lvl="0" marL="0" marR="0" rtl="0" algn="l">
+                        <a:lnSpc>
+                          <a:spcPct val="100000"/>
+                        </a:lnSpc>
+                        <a:spcBef>
+                          <a:spcPts val="0"/>
+                        </a:spcBef>
+                        <a:spcAft>
+                          <a:spcPts val="0"/>
+                        </a:spcAft>
+                        <a:buClr>
+                          <a:srgbClr val="000000"/>
+                        </a:buClr>
+                        <a:buFont typeface="Arial"/>
+                        <a:buNone/>
+                      </a:pPr>
+                      <a:r>
+                        <a:t/>
                       </a:r>
                       <a:endParaRPr/>
                     </a:p>
@@ -20178,8 +20567,6 @@
                   </a:txBody>
                   <a:tcPr marT="45725" marB="45725" marR="91450" marL="91450"/>
                 </a:tc>
-              </a:tr>
-              <a:tr h="421100">
                 <a:tc>
                   <a:txBody>
                     <a:bodyPr/>
@@ -20198,8 +20585,38 @@
                         <a:buNone/>
                       </a:pPr>
                       <a:r>
-                        <a:rPr lang="en" sz="1400" u="none" cap="none" strike="noStrike"/>
-                        <a:t>XGboost</a:t>
+                        <a:t/>
+                      </a:r>
+                      <a:endParaRPr sz="1400" u="none" cap="none" strike="noStrike"/>
+                    </a:p>
+                  </a:txBody>
+                  <a:tcPr marT="45725" marB="45725" marR="91450" marL="91450"/>
+                </a:tc>
+              </a:tr>
+              <a:tr h="693925">
+                <a:tc>
+                  <a:txBody>
+                    <a:bodyPr/>
+                    <a:lstStyle/>
+                    <a:p>
+                      <a:pPr indent="0" lvl="0" marL="0" marR="0" rtl="0" algn="l">
+                        <a:lnSpc>
+                          <a:spcPct val="100000"/>
+                        </a:lnSpc>
+                        <a:spcBef>
+                          <a:spcPts val="0"/>
+                        </a:spcBef>
+                        <a:spcAft>
+                          <a:spcPts val="0"/>
+                        </a:spcAft>
+                        <a:buClr>
+                          <a:srgbClr val="000000"/>
+                        </a:buClr>
+                        <a:buFont typeface="Arial"/>
+                        <a:buNone/>
+                      </a:pPr>
+                      <a:r>
+                        <a:t/>
                       </a:r>
                       <a:endParaRPr sz="1400" u="none" cap="none" strike="noStrike"/>
                     </a:p>
@@ -20303,51 +20720,12 @@
                   </a:txBody>
                   <a:tcPr marT="45725" marB="45725" marR="91450" marL="91450"/>
                 </a:tc>
-              </a:tr>
-            </a:tbl>
-          </a:graphicData>
-        </a:graphic>
-      </p:graphicFrame>
-      <p:graphicFrame>
-        <p:nvGraphicFramePr>
-          <p:cNvPr id="285" name="Google Shape;285;p48"/>
-          <p:cNvGraphicFramePr/>
-          <p:nvPr/>
-        </p:nvGraphicFramePr>
-        <p:xfrm>
-          <a:off x="1353025" y="1465724"/>
-          <a:ext cx="3000000" cy="3000000"/>
-        </p:xfrm>
-        <a:graphic>
-          <a:graphicData uri="http://schemas.openxmlformats.org/drawingml/2006/table">
-            <a:tbl>
-              <a:tblPr>
-                <a:gradFill>
-                  <a:gsLst>
-                    <a:gs pos="0">
-                      <a:srgbClr val="9CE7F5"/>
-                    </a:gs>
-                    <a:gs pos="35000">
-                      <a:srgbClr val="BBEAF6"/>
-                    </a:gs>
-                    <a:gs pos="100000">
-                      <a:srgbClr val="E4F9FC"/>
-                    </a:gs>
-                  </a:gsLst>
-                  <a:lin ang="16200038" scaled="0"/>
-                </a:gradFill>
-                <a:tableStyleId>{5B6FFDF6-E125-4389-873E-ABB670668F9B}</a:tableStyleId>
-              </a:tblPr>
-              <a:tblGrid>
-                <a:gridCol w="4182975"/>
-              </a:tblGrid>
-              <a:tr h="394000">
                 <a:tc>
                   <a:txBody>
                     <a:bodyPr/>
                     <a:lstStyle/>
                     <a:p>
-                      <a:pPr indent="0" lvl="0" marL="0" marR="0" rtl="0" algn="ctr">
+                      <a:pPr indent="0" lvl="0" marL="0" marR="0" rtl="0" algn="l">
                         <a:lnSpc>
                           <a:spcPct val="100000"/>
                         </a:lnSpc>
@@ -20360,14 +20738,9 @@
                         <a:buNone/>
                       </a:pPr>
                       <a:r>
-                        <a:rPr b="1" lang="en" sz="1800" u="none" cap="none" strike="noStrike">
-                          <a:solidFill>
-                            <a:srgbClr val="9F5900"/>
-                          </a:solidFill>
-                        </a:rPr>
-                        <a:t>Metrics</a:t>
+                        <a:t/>
                       </a:r>
-                      <a:endParaRPr/>
+                      <a:endParaRPr sz="1400" u="none" cap="none" strike="noStrike"/>
                     </a:p>
                   </a:txBody>
                   <a:tcPr marT="45725" marB="45725" marR="91450" marL="91450"/>
@@ -20390,7 +20763,7 @@
   <p:cSld>
     <p:spTree>
       <p:nvGrpSpPr>
-        <p:cNvPr id="289" name="Shape 289"/>
+        <p:cNvPr id="288" name="Shape 288"/>
         <p:cNvGrpSpPr/>
         <p:nvPr/>
       </p:nvGrpSpPr>
@@ -20404,7 +20777,1281 @@
       </p:grpSpPr>
       <p:sp>
         <p:nvSpPr>
+          <p:cNvPr id="289" name="Google Shape;289;p49"/>
+          <p:cNvSpPr txBox="1"/>
+          <p:nvPr>
+            <p:ph idx="4294967295" type="ctrTitle"/>
+          </p:nvPr>
+        </p:nvSpPr>
+        <p:spPr>
+          <a:xfrm>
+            <a:off x="1268864" y="403309"/>
+            <a:ext cx="6249000" cy="533100"/>
+          </a:xfrm>
+          <a:prstGeom prst="rect">
+            <a:avLst/>
+          </a:prstGeom>
+          <a:noFill/>
+          <a:ln>
+            <a:noFill/>
+          </a:ln>
+        </p:spPr>
+        <p:txBody>
+          <a:bodyPr anchorCtr="0" anchor="t" bIns="91425" lIns="91425" spcFirstLastPara="1" rIns="91425" wrap="square" tIns="91425">
+            <a:noAutofit/>
+          </a:bodyPr>
+          <a:lstStyle/>
+          <a:p>
+            <a:pPr indent="0" lvl="0" marL="0" marR="0" rtl="0" algn="l">
+              <a:lnSpc>
+                <a:spcPct val="100000"/>
+              </a:lnSpc>
+              <a:spcBef>
+                <a:spcPts val="0"/>
+              </a:spcBef>
+              <a:spcAft>
+                <a:spcPts val="0"/>
+              </a:spcAft>
+              <a:buClr>
+                <a:schemeClr val="dk1"/>
+              </a:buClr>
+              <a:buSzPts val="2800"/>
+              <a:buFont typeface="Arial"/>
+              <a:buNone/>
+            </a:pPr>
+            <a:r>
+              <a:rPr lang="en" sz="2500">
+                <a:solidFill>
+                  <a:srgbClr val="0E3449"/>
+                </a:solidFill>
+                <a:latin typeface="Inter"/>
+                <a:ea typeface="Inter"/>
+                <a:cs typeface="Inter"/>
+                <a:sym typeface="Inter"/>
+              </a:rPr>
+              <a:t>Modèles</a:t>
+            </a:r>
+            <a:r>
+              <a:rPr b="0" i="0" lang="en" sz="2500" u="none" cap="none" strike="noStrike">
+                <a:solidFill>
+                  <a:srgbClr val="0E3449"/>
+                </a:solidFill>
+                <a:latin typeface="Inter"/>
+                <a:ea typeface="Inter"/>
+                <a:cs typeface="Inter"/>
+                <a:sym typeface="Inter"/>
+              </a:rPr>
+              <a:t> et Résultats</a:t>
+            </a:r>
+            <a:endParaRPr b="0" i="0" sz="2500" u="none" cap="none" strike="noStrike">
+              <a:solidFill>
+                <a:srgbClr val="0E3449"/>
+              </a:solidFill>
+              <a:latin typeface="Inter"/>
+              <a:ea typeface="Inter"/>
+              <a:cs typeface="Inter"/>
+              <a:sym typeface="Inter"/>
+            </a:endParaRPr>
+          </a:p>
+        </p:txBody>
+      </p:sp>
+      <p:pic>
+        <p:nvPicPr>
           <p:cNvPr id="290" name="Google Shape;290;p49"/>
+          <p:cNvPicPr preferRelativeResize="0"/>
+          <p:nvPr/>
+        </p:nvPicPr>
+        <p:blipFill rotWithShape="1">
+          <a:blip r:embed="rId3">
+            <a:alphaModFix/>
+          </a:blip>
+          <a:srcRect b="0" l="0" r="0" t="0"/>
+          <a:stretch/>
+        </p:blipFill>
+        <p:spPr>
+          <a:xfrm>
+            <a:off x="539575" y="482852"/>
+            <a:ext cx="576900" cy="385904"/>
+          </a:xfrm>
+          <a:prstGeom prst="rect">
+            <a:avLst/>
+          </a:prstGeom>
+          <a:noFill/>
+          <a:ln>
+            <a:noFill/>
+          </a:ln>
+        </p:spPr>
+      </p:pic>
+      <p:sp>
+        <p:nvSpPr>
+          <p:cNvPr id="291" name="Google Shape;291;p49"/>
+          <p:cNvSpPr/>
+          <p:nvPr/>
+        </p:nvSpPr>
+        <p:spPr>
+          <a:xfrm>
+            <a:off x="10225" y="4892025"/>
+            <a:ext cx="9144000" cy="251400"/>
+          </a:xfrm>
+          <a:prstGeom prst="rect">
+            <a:avLst/>
+          </a:prstGeom>
+          <a:solidFill>
+            <a:srgbClr val="C3FFFC"/>
+          </a:solidFill>
+          <a:ln>
+            <a:noFill/>
+          </a:ln>
+        </p:spPr>
+        <p:txBody>
+          <a:bodyPr anchorCtr="0" anchor="ctr" bIns="91425" lIns="91425" spcFirstLastPara="1" rIns="91425" wrap="square" tIns="91425">
+            <a:noAutofit/>
+          </a:bodyPr>
+          <a:lstStyle/>
+          <a:p>
+            <a:pPr indent="0" lvl="0" marL="0" marR="0" rtl="0" algn="l">
+              <a:lnSpc>
+                <a:spcPct val="100000"/>
+              </a:lnSpc>
+              <a:spcBef>
+                <a:spcPts val="0"/>
+              </a:spcBef>
+              <a:spcAft>
+                <a:spcPts val="0"/>
+              </a:spcAft>
+              <a:buClr>
+                <a:srgbClr val="000000"/>
+              </a:buClr>
+              <a:buSzPts val="1400"/>
+              <a:buFont typeface="Arial"/>
+              <a:buNone/>
+            </a:pPr>
+            <a:r>
+              <a:t/>
+            </a:r>
+            <a:endParaRPr b="0" i="0" sz="1400" u="none" cap="none" strike="noStrike">
+              <a:solidFill>
+                <a:srgbClr val="000000"/>
+              </a:solidFill>
+              <a:latin typeface="Arial"/>
+              <a:ea typeface="Arial"/>
+              <a:cs typeface="Arial"/>
+              <a:sym typeface="Arial"/>
+            </a:endParaRPr>
+          </a:p>
+        </p:txBody>
+      </p:sp>
+      <p:graphicFrame>
+        <p:nvGraphicFramePr>
+          <p:cNvPr id="292" name="Google Shape;292;p49"/>
+          <p:cNvGraphicFramePr/>
+          <p:nvPr/>
+        </p:nvGraphicFramePr>
+        <p:xfrm>
+          <a:off x="868426" y="1216193"/>
+          <a:ext cx="3000000" cy="3000000"/>
+        </p:xfrm>
+        <a:graphic>
+          <a:graphicData uri="http://schemas.openxmlformats.org/drawingml/2006/table">
+            <a:tbl>
+              <a:tblPr bandRow="1" firstRow="1">
+                <a:noFill/>
+                <a:tableStyleId>{69B06867-93D9-419C-94BB-D42DDA664F6D}</a:tableStyleId>
+              </a:tblPr>
+              <a:tblGrid>
+                <a:gridCol w="1794775"/>
+                <a:gridCol w="1267775"/>
+                <a:gridCol w="1520725"/>
+                <a:gridCol w="1541825"/>
+                <a:gridCol w="1531275"/>
+              </a:tblGrid>
+              <a:tr h="536525">
+                <a:tc>
+                  <a:txBody>
+                    <a:bodyPr/>
+                    <a:lstStyle/>
+                    <a:p>
+                      <a:pPr indent="0" lvl="0" marL="0" marR="0" rtl="0" algn="ctr">
+                        <a:lnSpc>
+                          <a:spcPct val="100000"/>
+                        </a:lnSpc>
+                        <a:spcBef>
+                          <a:spcPts val="0"/>
+                        </a:spcBef>
+                        <a:spcAft>
+                          <a:spcPts val="0"/>
+                        </a:spcAft>
+                        <a:buNone/>
+                      </a:pPr>
+                      <a:r>
+                        <a:rPr lang="en"/>
+                        <a:t>Model</a:t>
+                      </a:r>
+                      <a:endParaRPr sz="1400" u="none" cap="none" strike="noStrike"/>
+                    </a:p>
+                  </a:txBody>
+                  <a:tcPr marT="45725" marB="45725" marR="91450" marL="91450" anchor="ctr"/>
+                </a:tc>
+                <a:tc gridSpan="2">
+                  <a:txBody>
+                    <a:bodyPr/>
+                    <a:lstStyle/>
+                    <a:p>
+                      <a:pPr indent="0" lvl="0" marL="0" marR="0" rtl="0" algn="ctr">
+                        <a:lnSpc>
+                          <a:spcPct val="100000"/>
+                        </a:lnSpc>
+                        <a:spcBef>
+                          <a:spcPts val="0"/>
+                        </a:spcBef>
+                        <a:spcAft>
+                          <a:spcPts val="0"/>
+                        </a:spcAft>
+                        <a:buNone/>
+                      </a:pPr>
+                      <a:r>
+                        <a:rPr lang="en"/>
+                        <a:t>Before Feature selection</a:t>
+                      </a:r>
+                      <a:endParaRPr/>
+                    </a:p>
+                  </a:txBody>
+                  <a:tcPr marT="45725" marB="45725" marR="91450" marL="91450" anchor="ctr">
+                    <a:lnR cap="flat" cmpd="sng" w="12700">
+                      <a:solidFill>
+                        <a:schemeClr val="lt1"/>
+                      </a:solidFill>
+                      <a:prstDash val="solid"/>
+                      <a:round/>
+                      <a:headEnd len="sm" w="sm" type="none"/>
+                      <a:tailEnd len="sm" w="sm" type="none"/>
+                    </a:lnR>
+                  </a:tcPr>
+                </a:tc>
+                <a:tc hMerge="1"/>
+                <a:tc gridSpan="2">
+                  <a:txBody>
+                    <a:bodyPr/>
+                    <a:lstStyle/>
+                    <a:p>
+                      <a:pPr indent="0" lvl="0" marL="0" rtl="0" algn="ctr">
+                        <a:spcBef>
+                          <a:spcPts val="0"/>
+                        </a:spcBef>
+                        <a:spcAft>
+                          <a:spcPts val="0"/>
+                        </a:spcAft>
+                        <a:buNone/>
+                      </a:pPr>
+                      <a:r>
+                        <a:rPr lang="en"/>
+                        <a:t>After </a:t>
+                      </a:r>
+                      <a:r>
+                        <a:rPr lang="en"/>
+                        <a:t>Feature selection</a:t>
+                      </a:r>
+                      <a:endParaRPr/>
+                    </a:p>
+                  </a:txBody>
+                  <a:tcPr marT="45725" marB="45725" marR="91450" marL="91450" anchor="ctr">
+                    <a:lnL cap="flat" cmpd="sng" w="12700">
+                      <a:solidFill>
+                        <a:schemeClr val="lt1"/>
+                      </a:solidFill>
+                      <a:prstDash val="solid"/>
+                      <a:round/>
+                      <a:headEnd len="sm" w="sm" type="none"/>
+                      <a:tailEnd len="sm" w="sm" type="none"/>
+                    </a:lnL>
+                    <a:lnB cap="flat" cmpd="sng" w="12700">
+                      <a:solidFill>
+                        <a:schemeClr val="lt1"/>
+                      </a:solidFill>
+                      <a:prstDash val="solid"/>
+                      <a:round/>
+                      <a:headEnd len="sm" w="sm" type="none"/>
+                      <a:tailEnd len="sm" w="sm" type="none"/>
+                    </a:lnB>
+                  </a:tcPr>
+                </a:tc>
+                <a:tc hMerge="1"/>
+              </a:tr>
+              <a:tr h="536525">
+                <a:tc>
+                  <a:txBody>
+                    <a:bodyPr/>
+                    <a:lstStyle/>
+                    <a:p>
+                      <a:pPr indent="0" lvl="0" marL="0" marR="0" rtl="0" algn="ctr">
+                        <a:lnSpc>
+                          <a:spcPct val="100000"/>
+                        </a:lnSpc>
+                        <a:spcBef>
+                          <a:spcPts val="0"/>
+                        </a:spcBef>
+                        <a:spcAft>
+                          <a:spcPts val="0"/>
+                        </a:spcAft>
+                        <a:buNone/>
+                      </a:pPr>
+                      <a:r>
+                        <a:rPr lang="en"/>
+                        <a:t>Score</a:t>
+                      </a:r>
+                      <a:endParaRPr/>
+                    </a:p>
+                  </a:txBody>
+                  <a:tcPr marT="45725" marB="45725" marR="91450" marL="91450" anchor="ctr"/>
+                </a:tc>
+                <a:tc>
+                  <a:txBody>
+                    <a:bodyPr/>
+                    <a:lstStyle/>
+                    <a:p>
+                      <a:pPr indent="0" lvl="0" marL="0" rtl="0" algn="ctr">
+                        <a:spcBef>
+                          <a:spcPts val="0"/>
+                        </a:spcBef>
+                        <a:spcAft>
+                          <a:spcPts val="0"/>
+                        </a:spcAft>
+                        <a:buClr>
+                          <a:schemeClr val="dk1"/>
+                        </a:buClr>
+                        <a:buFont typeface="Arial"/>
+                        <a:buNone/>
+                      </a:pPr>
+                      <a:r>
+                        <a:rPr lang="en"/>
+                        <a:t>R2 score</a:t>
+                      </a:r>
+                      <a:endParaRPr sz="1400" u="none" cap="none" strike="noStrike"/>
+                    </a:p>
+                  </a:txBody>
+                  <a:tcPr marT="45725" marB="45725" marR="91450" marL="91450" anchor="ctr"/>
+                </a:tc>
+                <a:tc>
+                  <a:txBody>
+                    <a:bodyPr/>
+                    <a:lstStyle/>
+                    <a:p>
+                      <a:pPr indent="0" lvl="0" marL="0" rtl="0" algn="ctr">
+                        <a:spcBef>
+                          <a:spcPts val="0"/>
+                        </a:spcBef>
+                        <a:spcAft>
+                          <a:spcPts val="0"/>
+                        </a:spcAft>
+                        <a:buClr>
+                          <a:schemeClr val="dk1"/>
+                        </a:buClr>
+                        <a:buFont typeface="Arial"/>
+                        <a:buNone/>
+                      </a:pPr>
+                      <a:r>
+                        <a:rPr lang="en"/>
+                        <a:t>RMSE</a:t>
+                      </a:r>
+                      <a:endParaRPr/>
+                    </a:p>
+                  </a:txBody>
+                  <a:tcPr marT="45725" marB="45725" marR="91450" marL="91450" anchor="ctr">
+                    <a:lnR cap="flat" cmpd="sng" w="12700">
+                      <a:solidFill>
+                        <a:schemeClr val="lt1"/>
+                      </a:solidFill>
+                      <a:prstDash val="solid"/>
+                      <a:round/>
+                      <a:headEnd len="sm" w="sm" type="none"/>
+                      <a:tailEnd len="sm" w="sm" type="none"/>
+                    </a:lnR>
+                  </a:tcPr>
+                </a:tc>
+                <a:tc>
+                  <a:txBody>
+                    <a:bodyPr/>
+                    <a:lstStyle/>
+                    <a:p>
+                      <a:pPr indent="0" lvl="0" marL="0" marR="0" rtl="0" algn="ctr">
+                        <a:lnSpc>
+                          <a:spcPct val="100000"/>
+                        </a:lnSpc>
+                        <a:spcBef>
+                          <a:spcPts val="0"/>
+                        </a:spcBef>
+                        <a:spcAft>
+                          <a:spcPts val="0"/>
+                        </a:spcAft>
+                        <a:buNone/>
+                      </a:pPr>
+                      <a:r>
+                        <a:rPr lang="en"/>
+                        <a:t>R2 score</a:t>
+                      </a:r>
+                      <a:endParaRPr sz="1400" u="none" cap="none" strike="noStrike"/>
+                    </a:p>
+                  </a:txBody>
+                  <a:tcPr marT="45725" marB="45725" marR="91450" marL="91450" anchor="ctr">
+                    <a:lnL cap="flat" cmpd="sng" w="12700">
+                      <a:solidFill>
+                        <a:schemeClr val="lt1"/>
+                      </a:solidFill>
+                      <a:prstDash val="solid"/>
+                      <a:round/>
+                      <a:headEnd len="sm" w="sm" type="none"/>
+                      <a:tailEnd len="sm" w="sm" type="none"/>
+                    </a:lnL>
+                    <a:lnR cap="flat" cmpd="sng" w="12700">
+                      <a:solidFill>
+                        <a:schemeClr val="lt1"/>
+                      </a:solidFill>
+                      <a:prstDash val="solid"/>
+                      <a:round/>
+                      <a:headEnd len="sm" w="sm" type="none"/>
+                      <a:tailEnd len="sm" w="sm" type="none"/>
+                    </a:lnR>
+                    <a:lnT cap="flat" cmpd="sng" w="12700">
+                      <a:solidFill>
+                        <a:schemeClr val="lt1"/>
+                      </a:solidFill>
+                      <a:prstDash val="solid"/>
+                      <a:round/>
+                      <a:headEnd len="sm" w="sm" type="none"/>
+                      <a:tailEnd len="sm" w="sm" type="none"/>
+                    </a:lnT>
+                    <a:lnB cap="flat" cmpd="sng" w="12700">
+                      <a:solidFill>
+                        <a:schemeClr val="lt1"/>
+                      </a:solidFill>
+                      <a:prstDash val="solid"/>
+                      <a:round/>
+                      <a:headEnd len="sm" w="sm" type="none"/>
+                      <a:tailEnd len="sm" w="sm" type="none"/>
+                    </a:lnB>
+                  </a:tcPr>
+                </a:tc>
+                <a:tc>
+                  <a:txBody>
+                    <a:bodyPr/>
+                    <a:lstStyle/>
+                    <a:p>
+                      <a:pPr indent="0" lvl="0" marL="0" rtl="0" algn="ctr">
+                        <a:spcBef>
+                          <a:spcPts val="0"/>
+                        </a:spcBef>
+                        <a:spcAft>
+                          <a:spcPts val="0"/>
+                        </a:spcAft>
+                        <a:buClr>
+                          <a:schemeClr val="dk1"/>
+                        </a:buClr>
+                        <a:buFont typeface="Arial"/>
+                        <a:buNone/>
+                      </a:pPr>
+                      <a:r>
+                        <a:rPr lang="en"/>
+                        <a:t>RMSE</a:t>
+                      </a:r>
+                      <a:endParaRPr/>
+                    </a:p>
+                  </a:txBody>
+                  <a:tcPr marT="45725" marB="45725" marR="91450" marL="91450" anchor="ctr">
+                    <a:lnL cap="flat" cmpd="sng" w="12700">
+                      <a:solidFill>
+                        <a:schemeClr val="lt1"/>
+                      </a:solidFill>
+                      <a:prstDash val="solid"/>
+                      <a:round/>
+                      <a:headEnd len="sm" w="sm" type="none"/>
+                      <a:tailEnd len="sm" w="sm" type="none"/>
+                    </a:lnL>
+                    <a:lnR cap="flat" cmpd="sng" w="12700">
+                      <a:solidFill>
+                        <a:schemeClr val="lt1"/>
+                      </a:solidFill>
+                      <a:prstDash val="solid"/>
+                      <a:round/>
+                      <a:headEnd len="sm" w="sm" type="none"/>
+                      <a:tailEnd len="sm" w="sm" type="none"/>
+                    </a:lnR>
+                    <a:lnT cap="flat" cmpd="sng" w="12700">
+                      <a:solidFill>
+                        <a:schemeClr val="lt1"/>
+                      </a:solidFill>
+                      <a:prstDash val="solid"/>
+                      <a:round/>
+                      <a:headEnd len="sm" w="sm" type="none"/>
+                      <a:tailEnd len="sm" w="sm" type="none"/>
+                    </a:lnT>
+                    <a:lnB cap="flat" cmpd="sng" w="12700">
+                      <a:solidFill>
+                        <a:schemeClr val="lt1"/>
+                      </a:solidFill>
+                      <a:prstDash val="solid"/>
+                      <a:round/>
+                      <a:headEnd len="sm" w="sm" type="none"/>
+                      <a:tailEnd len="sm" w="sm" type="none"/>
+                    </a:lnB>
+                  </a:tcPr>
+                </a:tc>
+              </a:tr>
+              <a:tr h="755000">
+                <a:tc>
+                  <a:txBody>
+                    <a:bodyPr/>
+                    <a:lstStyle/>
+                    <a:p>
+                      <a:pPr indent="0" lvl="0" marL="0" marR="0" rtl="0" algn="ctr">
+                        <a:lnSpc>
+                          <a:spcPct val="100000"/>
+                        </a:lnSpc>
+                        <a:spcBef>
+                          <a:spcPts val="0"/>
+                        </a:spcBef>
+                        <a:spcAft>
+                          <a:spcPts val="0"/>
+                        </a:spcAft>
+                        <a:buNone/>
+                      </a:pPr>
+                      <a:r>
+                        <a:rPr b="1" lang="en"/>
+                        <a:t>Linear regression</a:t>
+                      </a:r>
+                      <a:endParaRPr b="1"/>
+                    </a:p>
+                  </a:txBody>
+                  <a:tcPr marT="45725" marB="45725" marR="91450" marL="91450" anchor="ctr"/>
+                </a:tc>
+                <a:tc>
+                  <a:txBody>
+                    <a:bodyPr/>
+                    <a:lstStyle/>
+                    <a:p>
+                      <a:pPr indent="0" lvl="0" marL="0" marR="0" rtl="0" algn="ctr">
+                        <a:lnSpc>
+                          <a:spcPct val="100000"/>
+                        </a:lnSpc>
+                        <a:spcBef>
+                          <a:spcPts val="0"/>
+                        </a:spcBef>
+                        <a:spcAft>
+                          <a:spcPts val="0"/>
+                        </a:spcAft>
+                        <a:buNone/>
+                      </a:pPr>
+                      <a:r>
+                        <a:rPr lang="en"/>
+                        <a:t>0.23</a:t>
+                      </a:r>
+                      <a:endParaRPr sz="1400" u="none" cap="none" strike="noStrike"/>
+                    </a:p>
+                  </a:txBody>
+                  <a:tcPr marT="45725" marB="45725" marR="91450" marL="91450" anchor="ctr"/>
+                </a:tc>
+                <a:tc>
+                  <a:txBody>
+                    <a:bodyPr/>
+                    <a:lstStyle/>
+                    <a:p>
+                      <a:pPr indent="0" lvl="0" marL="0" rtl="0" algn="ctr">
+                        <a:spcBef>
+                          <a:spcPts val="0"/>
+                        </a:spcBef>
+                        <a:spcAft>
+                          <a:spcPts val="0"/>
+                        </a:spcAft>
+                        <a:buNone/>
+                      </a:pPr>
+                      <a:r>
+                        <a:rPr lang="en"/>
+                        <a:t>0.23</a:t>
+                      </a:r>
+                      <a:endParaRPr/>
+                    </a:p>
+                  </a:txBody>
+                  <a:tcPr marT="45725" marB="45725" marR="91450" marL="91450" anchor="ctr">
+                    <a:lnR cap="flat" cmpd="sng" w="12700">
+                      <a:solidFill>
+                        <a:schemeClr val="lt1"/>
+                      </a:solidFill>
+                      <a:prstDash val="solid"/>
+                      <a:round/>
+                      <a:headEnd len="sm" w="sm" type="none"/>
+                      <a:tailEnd len="sm" w="sm" type="none"/>
+                    </a:lnR>
+                  </a:tcPr>
+                </a:tc>
+                <a:tc>
+                  <a:txBody>
+                    <a:bodyPr/>
+                    <a:lstStyle/>
+                    <a:p>
+                      <a:pPr indent="0" lvl="0" marL="0" marR="0" rtl="0" algn="ctr">
+                        <a:lnSpc>
+                          <a:spcPct val="100000"/>
+                        </a:lnSpc>
+                        <a:spcBef>
+                          <a:spcPts val="0"/>
+                        </a:spcBef>
+                        <a:spcAft>
+                          <a:spcPts val="0"/>
+                        </a:spcAft>
+                        <a:buNone/>
+                      </a:pPr>
+                      <a:r>
+                        <a:rPr lang="en"/>
+                        <a:t>0.23</a:t>
+                      </a:r>
+                      <a:endParaRPr sz="1400" u="none" cap="none" strike="noStrike"/>
+                    </a:p>
+                  </a:txBody>
+                  <a:tcPr marT="45725" marB="45725" marR="91450" marL="91450" anchor="ctr">
+                    <a:lnL cap="flat" cmpd="sng" w="12700">
+                      <a:solidFill>
+                        <a:schemeClr val="lt1"/>
+                      </a:solidFill>
+                      <a:prstDash val="solid"/>
+                      <a:round/>
+                      <a:headEnd len="sm" w="sm" type="none"/>
+                      <a:tailEnd len="sm" w="sm" type="none"/>
+                    </a:lnL>
+                    <a:lnR cap="flat" cmpd="sng" w="12700">
+                      <a:solidFill>
+                        <a:schemeClr val="lt1"/>
+                      </a:solidFill>
+                      <a:prstDash val="solid"/>
+                      <a:round/>
+                      <a:headEnd len="sm" w="sm" type="none"/>
+                      <a:tailEnd len="sm" w="sm" type="none"/>
+                    </a:lnR>
+                    <a:lnT cap="flat" cmpd="sng" w="12700">
+                      <a:solidFill>
+                        <a:schemeClr val="lt1"/>
+                      </a:solidFill>
+                      <a:prstDash val="solid"/>
+                      <a:round/>
+                      <a:headEnd len="sm" w="sm" type="none"/>
+                      <a:tailEnd len="sm" w="sm" type="none"/>
+                    </a:lnT>
+                    <a:lnB cap="flat" cmpd="sng" w="38100">
+                      <a:solidFill>
+                        <a:schemeClr val="lt1"/>
+                      </a:solidFill>
+                      <a:prstDash val="solid"/>
+                      <a:round/>
+                      <a:headEnd len="sm" w="sm" type="none"/>
+                      <a:tailEnd len="sm" w="sm" type="none"/>
+                    </a:lnB>
+                  </a:tcPr>
+                </a:tc>
+                <a:tc>
+                  <a:txBody>
+                    <a:bodyPr/>
+                    <a:lstStyle/>
+                    <a:p>
+                      <a:pPr indent="0" lvl="0" marL="0" rtl="0" algn="ctr">
+                        <a:spcBef>
+                          <a:spcPts val="0"/>
+                        </a:spcBef>
+                        <a:spcAft>
+                          <a:spcPts val="0"/>
+                        </a:spcAft>
+                        <a:buNone/>
+                      </a:pPr>
+                      <a:r>
+                        <a:rPr lang="en"/>
+                        <a:t>0.23</a:t>
+                      </a:r>
+                      <a:endParaRPr sz="1400" u="none" cap="none" strike="noStrike"/>
+                    </a:p>
+                  </a:txBody>
+                  <a:tcPr marT="45725" marB="45725" marR="91450" marL="91450" anchor="ctr">
+                    <a:lnL cap="flat" cmpd="sng" w="12700">
+                      <a:solidFill>
+                        <a:schemeClr val="lt1"/>
+                      </a:solidFill>
+                      <a:prstDash val="solid"/>
+                      <a:round/>
+                      <a:headEnd len="sm" w="sm" type="none"/>
+                      <a:tailEnd len="sm" w="sm" type="none"/>
+                    </a:lnL>
+                    <a:lnR cap="flat" cmpd="sng" w="12700">
+                      <a:solidFill>
+                        <a:schemeClr val="lt1"/>
+                      </a:solidFill>
+                      <a:prstDash val="solid"/>
+                      <a:round/>
+                      <a:headEnd len="sm" w="sm" type="none"/>
+                      <a:tailEnd len="sm" w="sm" type="none"/>
+                    </a:lnR>
+                    <a:lnT cap="flat" cmpd="sng" w="12700">
+                      <a:solidFill>
+                        <a:schemeClr val="lt1"/>
+                      </a:solidFill>
+                      <a:prstDash val="solid"/>
+                      <a:round/>
+                      <a:headEnd len="sm" w="sm" type="none"/>
+                      <a:tailEnd len="sm" w="sm" type="none"/>
+                    </a:lnT>
+                    <a:lnB cap="flat" cmpd="sng" w="38100">
+                      <a:solidFill>
+                        <a:schemeClr val="lt1"/>
+                      </a:solidFill>
+                      <a:prstDash val="solid"/>
+                      <a:round/>
+                      <a:headEnd len="sm" w="sm" type="none"/>
+                      <a:tailEnd len="sm" w="sm" type="none"/>
+                    </a:lnB>
+                  </a:tcPr>
+                </a:tc>
+              </a:tr>
+              <a:tr h="755000">
+                <a:tc>
+                  <a:txBody>
+                    <a:bodyPr/>
+                    <a:lstStyle/>
+                    <a:p>
+                      <a:pPr indent="0" lvl="0" marL="0" marR="0" rtl="0" algn="ctr">
+                        <a:lnSpc>
+                          <a:spcPct val="100000"/>
+                        </a:lnSpc>
+                        <a:spcBef>
+                          <a:spcPts val="0"/>
+                        </a:spcBef>
+                        <a:spcAft>
+                          <a:spcPts val="0"/>
+                        </a:spcAft>
+                        <a:buNone/>
+                      </a:pPr>
+                      <a:r>
+                        <a:rPr b="1" lang="en"/>
+                        <a:t>Random Forest</a:t>
+                      </a:r>
+                      <a:endParaRPr b="1"/>
+                    </a:p>
+                  </a:txBody>
+                  <a:tcPr marT="45725" marB="45725" marR="91450" marL="91450" anchor="ctr"/>
+                </a:tc>
+                <a:tc>
+                  <a:txBody>
+                    <a:bodyPr/>
+                    <a:lstStyle/>
+                    <a:p>
+                      <a:pPr indent="0" lvl="0" marL="0" rtl="0" algn="ctr">
+                        <a:spcBef>
+                          <a:spcPts val="0"/>
+                        </a:spcBef>
+                        <a:spcAft>
+                          <a:spcPts val="0"/>
+                        </a:spcAft>
+                        <a:buClr>
+                          <a:schemeClr val="dk1"/>
+                        </a:buClr>
+                        <a:buFont typeface="Arial"/>
+                        <a:buNone/>
+                      </a:pPr>
+                      <a:r>
+                        <a:rPr lang="en"/>
+                        <a:t>0.23</a:t>
+                      </a:r>
+                      <a:endParaRPr/>
+                    </a:p>
+                    <a:p>
+                      <a:pPr indent="0" lvl="0" marL="0" marR="0" rtl="0" algn="ctr">
+                        <a:lnSpc>
+                          <a:spcPct val="100000"/>
+                        </a:lnSpc>
+                        <a:spcBef>
+                          <a:spcPts val="0"/>
+                        </a:spcBef>
+                        <a:spcAft>
+                          <a:spcPts val="0"/>
+                        </a:spcAft>
+                        <a:buNone/>
+                      </a:pPr>
+                      <a:r>
+                        <a:t/>
+                      </a:r>
+                      <a:endParaRPr/>
+                    </a:p>
+                  </a:txBody>
+                  <a:tcPr marT="45725" marB="45725" marR="91450" marL="91450" anchor="ctr"/>
+                </a:tc>
+                <a:tc>
+                  <a:txBody>
+                    <a:bodyPr/>
+                    <a:lstStyle/>
+                    <a:p>
+                      <a:pPr indent="0" lvl="0" marL="0" rtl="0" algn="ctr">
+                        <a:spcBef>
+                          <a:spcPts val="0"/>
+                        </a:spcBef>
+                        <a:spcAft>
+                          <a:spcPts val="0"/>
+                        </a:spcAft>
+                        <a:buNone/>
+                      </a:pPr>
+                      <a:r>
+                        <a:rPr lang="en"/>
+                        <a:t>0.23</a:t>
+                      </a:r>
+                      <a:endParaRPr/>
+                    </a:p>
+                  </a:txBody>
+                  <a:tcPr marT="45725" marB="45725" marR="91450" marL="91450" anchor="ctr">
+                    <a:lnR cap="flat" cmpd="sng" w="12700">
+                      <a:solidFill>
+                        <a:schemeClr val="lt1"/>
+                      </a:solidFill>
+                      <a:prstDash val="solid"/>
+                      <a:round/>
+                      <a:headEnd len="sm" w="sm" type="none"/>
+                      <a:tailEnd len="sm" w="sm" type="none"/>
+                    </a:lnR>
+                  </a:tcPr>
+                </a:tc>
+                <a:tc>
+                  <a:txBody>
+                    <a:bodyPr/>
+                    <a:lstStyle/>
+                    <a:p>
+                      <a:pPr indent="0" lvl="0" marL="0" rtl="0" algn="ctr">
+                        <a:spcBef>
+                          <a:spcPts val="0"/>
+                        </a:spcBef>
+                        <a:spcAft>
+                          <a:spcPts val="0"/>
+                        </a:spcAft>
+                        <a:buNone/>
+                      </a:pPr>
+                      <a:r>
+                        <a:rPr lang="en"/>
+                        <a:t>0.23</a:t>
+                      </a:r>
+                      <a:endParaRPr/>
+                    </a:p>
+                    <a:p>
+                      <a:pPr indent="0" lvl="0" marL="0" marR="0" rtl="0" algn="ctr">
+                        <a:lnSpc>
+                          <a:spcPct val="100000"/>
+                        </a:lnSpc>
+                        <a:spcBef>
+                          <a:spcPts val="0"/>
+                        </a:spcBef>
+                        <a:spcAft>
+                          <a:spcPts val="0"/>
+                        </a:spcAft>
+                        <a:buNone/>
+                      </a:pPr>
+                      <a:r>
+                        <a:t/>
+                      </a:r>
+                      <a:endParaRPr sz="1400" u="none" cap="none" strike="noStrike"/>
+                    </a:p>
+                  </a:txBody>
+                  <a:tcPr marT="45725" marB="45725" marR="91450" marL="91450" anchor="ctr">
+                    <a:lnL cap="flat" cmpd="sng" w="12700">
+                      <a:solidFill>
+                        <a:schemeClr val="lt1"/>
+                      </a:solidFill>
+                      <a:prstDash val="solid"/>
+                      <a:round/>
+                      <a:headEnd len="sm" w="sm" type="none"/>
+                      <a:tailEnd len="sm" w="sm" type="none"/>
+                    </a:lnL>
+                    <a:lnR cap="flat" cmpd="sng" w="12700">
+                      <a:solidFill>
+                        <a:schemeClr val="lt1"/>
+                      </a:solidFill>
+                      <a:prstDash val="solid"/>
+                      <a:round/>
+                      <a:headEnd len="sm" w="sm" type="none"/>
+                      <a:tailEnd len="sm" w="sm" type="none"/>
+                    </a:lnR>
+                    <a:lnT cap="flat" cmpd="sng" w="38100">
+                      <a:solidFill>
+                        <a:schemeClr val="lt1"/>
+                      </a:solidFill>
+                      <a:prstDash val="solid"/>
+                      <a:round/>
+                      <a:headEnd len="sm" w="sm" type="none"/>
+                      <a:tailEnd len="sm" w="sm" type="none"/>
+                    </a:lnT>
+                    <a:lnB cap="flat" cmpd="sng" w="12700">
+                      <a:solidFill>
+                        <a:schemeClr val="lt1"/>
+                      </a:solidFill>
+                      <a:prstDash val="solid"/>
+                      <a:round/>
+                      <a:headEnd len="sm" w="sm" type="none"/>
+                      <a:tailEnd len="sm" w="sm" type="none"/>
+                    </a:lnB>
+                  </a:tcPr>
+                </a:tc>
+                <a:tc>
+                  <a:txBody>
+                    <a:bodyPr/>
+                    <a:lstStyle/>
+                    <a:p>
+                      <a:pPr indent="0" lvl="0" marL="0" rtl="0" algn="ctr">
+                        <a:spcBef>
+                          <a:spcPts val="0"/>
+                        </a:spcBef>
+                        <a:spcAft>
+                          <a:spcPts val="0"/>
+                        </a:spcAft>
+                        <a:buNone/>
+                      </a:pPr>
+                      <a:r>
+                        <a:rPr lang="en"/>
+                        <a:t>0.23</a:t>
+                      </a:r>
+                      <a:endParaRPr sz="1400" u="none" cap="none" strike="noStrike"/>
+                    </a:p>
+                  </a:txBody>
+                  <a:tcPr marT="45725" marB="45725" marR="91450" marL="91450" anchor="ctr">
+                    <a:lnL cap="flat" cmpd="sng" w="12700">
+                      <a:solidFill>
+                        <a:schemeClr val="lt1"/>
+                      </a:solidFill>
+                      <a:prstDash val="solid"/>
+                      <a:round/>
+                      <a:headEnd len="sm" w="sm" type="none"/>
+                      <a:tailEnd len="sm" w="sm" type="none"/>
+                    </a:lnL>
+                    <a:lnR cap="flat" cmpd="sng" w="12700">
+                      <a:solidFill>
+                        <a:schemeClr val="lt1"/>
+                      </a:solidFill>
+                      <a:prstDash val="solid"/>
+                      <a:round/>
+                      <a:headEnd len="sm" w="sm" type="none"/>
+                      <a:tailEnd len="sm" w="sm" type="none"/>
+                    </a:lnR>
+                    <a:lnT cap="flat" cmpd="sng" w="38100">
+                      <a:solidFill>
+                        <a:schemeClr val="lt1"/>
+                      </a:solidFill>
+                      <a:prstDash val="solid"/>
+                      <a:round/>
+                      <a:headEnd len="sm" w="sm" type="none"/>
+                      <a:tailEnd len="sm" w="sm" type="none"/>
+                    </a:lnT>
+                    <a:lnB cap="flat" cmpd="sng" w="12700">
+                      <a:solidFill>
+                        <a:schemeClr val="lt1"/>
+                      </a:solidFill>
+                      <a:prstDash val="solid"/>
+                      <a:round/>
+                      <a:headEnd len="sm" w="sm" type="none"/>
+                      <a:tailEnd len="sm" w="sm" type="none"/>
+                    </a:lnB>
+                  </a:tcPr>
+                </a:tc>
+              </a:tr>
+              <a:tr h="536525">
+                <a:tc>
+                  <a:txBody>
+                    <a:bodyPr/>
+                    <a:lstStyle/>
+                    <a:p>
+                      <a:pPr indent="0" lvl="0" marL="0" marR="0" rtl="0" algn="ctr">
+                        <a:lnSpc>
+                          <a:spcPct val="100000"/>
+                        </a:lnSpc>
+                        <a:spcBef>
+                          <a:spcPts val="0"/>
+                        </a:spcBef>
+                        <a:spcAft>
+                          <a:spcPts val="0"/>
+                        </a:spcAft>
+                        <a:buNone/>
+                      </a:pPr>
+                      <a:r>
+                        <a:rPr b="1" lang="en"/>
+                        <a:t>XGBoost</a:t>
+                      </a:r>
+                      <a:endParaRPr b="1" sz="1400" u="none" cap="none" strike="noStrike"/>
+                    </a:p>
+                  </a:txBody>
+                  <a:tcPr marT="45725" marB="45725" marR="91450" marL="91450" anchor="ctr"/>
+                </a:tc>
+                <a:tc>
+                  <a:txBody>
+                    <a:bodyPr/>
+                    <a:lstStyle/>
+                    <a:p>
+                      <a:pPr indent="0" lvl="0" marL="0" rtl="0" algn="ctr">
+                        <a:spcBef>
+                          <a:spcPts val="0"/>
+                        </a:spcBef>
+                        <a:spcAft>
+                          <a:spcPts val="0"/>
+                        </a:spcAft>
+                        <a:buClr>
+                          <a:schemeClr val="dk1"/>
+                        </a:buClr>
+                        <a:buFont typeface="Arial"/>
+                        <a:buNone/>
+                      </a:pPr>
+                      <a:r>
+                        <a:rPr lang="en"/>
+                        <a:t>0.23</a:t>
+                      </a:r>
+                      <a:endParaRPr/>
+                    </a:p>
+                    <a:p>
+                      <a:pPr indent="0" lvl="0" marL="0" marR="0" rtl="0" algn="ctr">
+                        <a:lnSpc>
+                          <a:spcPct val="100000"/>
+                        </a:lnSpc>
+                        <a:spcBef>
+                          <a:spcPts val="0"/>
+                        </a:spcBef>
+                        <a:spcAft>
+                          <a:spcPts val="0"/>
+                        </a:spcAft>
+                        <a:buNone/>
+                      </a:pPr>
+                      <a:r>
+                        <a:t/>
+                      </a:r>
+                      <a:endParaRPr/>
+                    </a:p>
+                  </a:txBody>
+                  <a:tcPr marT="45725" marB="45725" marR="91450" marL="91450" anchor="ctr"/>
+                </a:tc>
+                <a:tc>
+                  <a:txBody>
+                    <a:bodyPr/>
+                    <a:lstStyle/>
+                    <a:p>
+                      <a:pPr indent="0" lvl="0" marL="0" rtl="0" algn="ctr">
+                        <a:spcBef>
+                          <a:spcPts val="0"/>
+                        </a:spcBef>
+                        <a:spcAft>
+                          <a:spcPts val="0"/>
+                        </a:spcAft>
+                        <a:buNone/>
+                      </a:pPr>
+                      <a:r>
+                        <a:rPr lang="en"/>
+                        <a:t>0.23</a:t>
+                      </a:r>
+                      <a:endParaRPr/>
+                    </a:p>
+                  </a:txBody>
+                  <a:tcPr marT="45725" marB="45725" marR="91450" marL="91450" anchor="ctr">
+                    <a:lnR cap="flat" cmpd="sng" w="12700">
+                      <a:solidFill>
+                        <a:schemeClr val="lt1"/>
+                      </a:solidFill>
+                      <a:prstDash val="solid"/>
+                      <a:round/>
+                      <a:headEnd len="sm" w="sm" type="none"/>
+                      <a:tailEnd len="sm" w="sm" type="none"/>
+                    </a:lnR>
+                  </a:tcPr>
+                </a:tc>
+                <a:tc>
+                  <a:txBody>
+                    <a:bodyPr/>
+                    <a:lstStyle/>
+                    <a:p>
+                      <a:pPr indent="0" lvl="0" marL="0" rtl="0" algn="ctr">
+                        <a:spcBef>
+                          <a:spcPts val="0"/>
+                        </a:spcBef>
+                        <a:spcAft>
+                          <a:spcPts val="0"/>
+                        </a:spcAft>
+                        <a:buNone/>
+                      </a:pPr>
+                      <a:r>
+                        <a:rPr lang="en"/>
+                        <a:t>0.23</a:t>
+                      </a:r>
+                      <a:endParaRPr/>
+                    </a:p>
+                    <a:p>
+                      <a:pPr indent="0" lvl="0" marL="0" marR="0" rtl="0" algn="ctr">
+                        <a:lnSpc>
+                          <a:spcPct val="100000"/>
+                        </a:lnSpc>
+                        <a:spcBef>
+                          <a:spcPts val="0"/>
+                        </a:spcBef>
+                        <a:spcAft>
+                          <a:spcPts val="0"/>
+                        </a:spcAft>
+                        <a:buNone/>
+                      </a:pPr>
+                      <a:r>
+                        <a:t/>
+                      </a:r>
+                      <a:endParaRPr sz="1400" u="none" cap="none" strike="noStrike"/>
+                    </a:p>
+                  </a:txBody>
+                  <a:tcPr marT="45725" marB="45725" marR="91450" marL="91450" anchor="ctr">
+                    <a:lnL cap="flat" cmpd="sng" w="12700">
+                      <a:solidFill>
+                        <a:schemeClr val="lt1"/>
+                      </a:solidFill>
+                      <a:prstDash val="solid"/>
+                      <a:round/>
+                      <a:headEnd len="sm" w="sm" type="none"/>
+                      <a:tailEnd len="sm" w="sm" type="none"/>
+                    </a:lnL>
+                    <a:lnR cap="flat" cmpd="sng" w="12700">
+                      <a:solidFill>
+                        <a:schemeClr val="lt1"/>
+                      </a:solidFill>
+                      <a:prstDash val="solid"/>
+                      <a:round/>
+                      <a:headEnd len="sm" w="sm" type="none"/>
+                      <a:tailEnd len="sm" w="sm" type="none"/>
+                    </a:lnR>
+                    <a:lnT cap="flat" cmpd="sng" w="12700">
+                      <a:solidFill>
+                        <a:schemeClr val="lt1"/>
+                      </a:solidFill>
+                      <a:prstDash val="solid"/>
+                      <a:round/>
+                      <a:headEnd len="sm" w="sm" type="none"/>
+                      <a:tailEnd len="sm" w="sm" type="none"/>
+                    </a:lnT>
+                    <a:lnB cap="flat" cmpd="sng" w="12700">
+                      <a:solidFill>
+                        <a:schemeClr val="lt1"/>
+                      </a:solidFill>
+                      <a:prstDash val="solid"/>
+                      <a:round/>
+                      <a:headEnd len="sm" w="sm" type="none"/>
+                      <a:tailEnd len="sm" w="sm" type="none"/>
+                    </a:lnB>
+                  </a:tcPr>
+                </a:tc>
+                <a:tc>
+                  <a:txBody>
+                    <a:bodyPr/>
+                    <a:lstStyle/>
+                    <a:p>
+                      <a:pPr indent="0" lvl="0" marL="0" rtl="0" algn="ctr">
+                        <a:spcBef>
+                          <a:spcPts val="0"/>
+                        </a:spcBef>
+                        <a:spcAft>
+                          <a:spcPts val="0"/>
+                        </a:spcAft>
+                        <a:buNone/>
+                      </a:pPr>
+                      <a:r>
+                        <a:rPr lang="en"/>
+                        <a:t>0.23</a:t>
+                      </a:r>
+                      <a:endParaRPr sz="1400" u="none" cap="none" strike="noStrike"/>
+                    </a:p>
+                  </a:txBody>
+                  <a:tcPr marT="45725" marB="45725" marR="91450" marL="91450" anchor="ctr">
+                    <a:lnL cap="flat" cmpd="sng" w="12700">
+                      <a:solidFill>
+                        <a:schemeClr val="lt1"/>
+                      </a:solidFill>
+                      <a:prstDash val="solid"/>
+                      <a:round/>
+                      <a:headEnd len="sm" w="sm" type="none"/>
+                      <a:tailEnd len="sm" w="sm" type="none"/>
+                    </a:lnL>
+                    <a:lnR cap="flat" cmpd="sng" w="12700">
+                      <a:solidFill>
+                        <a:schemeClr val="lt1"/>
+                      </a:solidFill>
+                      <a:prstDash val="solid"/>
+                      <a:round/>
+                      <a:headEnd len="sm" w="sm" type="none"/>
+                      <a:tailEnd len="sm" w="sm" type="none"/>
+                    </a:lnR>
+                    <a:lnT cap="flat" cmpd="sng" w="12700">
+                      <a:solidFill>
+                        <a:schemeClr val="lt1"/>
+                      </a:solidFill>
+                      <a:prstDash val="solid"/>
+                      <a:round/>
+                      <a:headEnd len="sm" w="sm" type="none"/>
+                      <a:tailEnd len="sm" w="sm" type="none"/>
+                    </a:lnT>
+                    <a:lnB cap="flat" cmpd="sng" w="12700">
+                      <a:solidFill>
+                        <a:schemeClr val="lt1"/>
+                      </a:solidFill>
+                      <a:prstDash val="solid"/>
+                      <a:round/>
+                      <a:headEnd len="sm" w="sm" type="none"/>
+                      <a:tailEnd len="sm" w="sm" type="none"/>
+                    </a:lnB>
+                  </a:tcPr>
+                </a:tc>
+              </a:tr>
+            </a:tbl>
+          </a:graphicData>
+        </a:graphic>
+      </p:graphicFrame>
+      <p:cxnSp>
+        <p:nvCxnSpPr>
+          <p:cNvPr id="293" name="Google Shape;293;p49"/>
+          <p:cNvCxnSpPr/>
+          <p:nvPr/>
+        </p:nvCxnSpPr>
+        <p:spPr>
+          <a:xfrm>
+            <a:off x="5449275" y="1223325"/>
+            <a:ext cx="0" cy="3098700"/>
+          </a:xfrm>
+          <a:prstGeom prst="straightConnector1">
+            <a:avLst/>
+          </a:prstGeom>
+          <a:noFill/>
+          <a:ln cap="flat" cmpd="sng" w="28575">
+            <a:solidFill>
+              <a:srgbClr val="FFFFFF"/>
+            </a:solidFill>
+            <a:prstDash val="solid"/>
+            <a:round/>
+            <a:headEnd len="med" w="med" type="none"/>
+            <a:tailEnd len="med" w="med" type="none"/>
+          </a:ln>
+        </p:spPr>
+      </p:cxnSp>
+    </p:spTree>
+  </p:cSld>
+  <p:clrMapOvr>
+    <a:masterClrMapping/>
+  </p:clrMapOvr>
+</p:sld>
+</file>
+
+<file path=ppt/slides/slide26.xml><?xml version="1.0" encoding="utf-8"?>
+<p:sld xmlns:a="http://schemas.openxmlformats.org/drawingml/2006/main" xmlns:r="http://schemas.openxmlformats.org/officeDocument/2006/relationships" xmlns:mc="http://schemas.openxmlformats.org/markup-compatibility/2006" xmlns:mv="urn:schemas-microsoft-com:mac:vml" xmlns:p="http://schemas.openxmlformats.org/presentationml/2006/main" xmlns:c="http://schemas.openxmlformats.org/drawingml/2006/chart" xmlns:dgm="http://schemas.openxmlformats.org/drawingml/2006/diagram" xmlns:o="urn:schemas-microsoft-com:office:office" xmlns:v="urn:schemas-microsoft-com:vml" xmlns:pvml="urn:schemas-microsoft-com:office:powerpoint" xmlns:com="http://schemas.openxmlformats.org/drawingml/2006/compatibility" xmlns:p14="http://schemas.microsoft.com/office/powerpoint/2010/main" xmlns:p15="http://schemas.microsoft.com/office/powerpoint/2012/main" xmlns:ahyp="http://schemas.microsoft.com/office/drawing/2018/hyperlinkcolor">
+  <p:cSld>
+    <p:spTree>
+      <p:nvGrpSpPr>
+        <p:cNvPr id="297" name="Shape 297"/>
+        <p:cNvGrpSpPr/>
+        <p:nvPr/>
+      </p:nvGrpSpPr>
+      <p:grpSpPr>
+        <a:xfrm>
+          <a:off x="0" y="0"/>
+          <a:ext cx="0" cy="0"/>
+          <a:chOff x="0" y="0"/>
+          <a:chExt cx="0" cy="0"/>
+        </a:xfrm>
+      </p:grpSpPr>
+      <p:sp>
+        <p:nvSpPr>
+          <p:cNvPr id="298" name="Google Shape;298;p50"/>
           <p:cNvSpPr txBox="1"/>
           <p:nvPr>
             <p:ph type="title"/>
@@ -20496,7 +22143,7 @@
       </p:sp>
       <p:pic>
         <p:nvPicPr>
-          <p:cNvPr id="291" name="Google Shape;291;p49"/>
+          <p:cNvPr id="299" name="Google Shape;299;p50"/>
           <p:cNvPicPr preferRelativeResize="0"/>
           <p:nvPr/>
         </p:nvPicPr>
@@ -20529,12 +22176,12 @@
 </p:sld>
 </file>
 
-<file path=ppt/slides/slide26.xml><?xml version="1.0" encoding="utf-8"?>
+<file path=ppt/slides/slide27.xml><?xml version="1.0" encoding="utf-8"?>
 <p:sld xmlns:a="http://schemas.openxmlformats.org/drawingml/2006/main" xmlns:r="http://schemas.openxmlformats.org/officeDocument/2006/relationships" xmlns:mc="http://schemas.openxmlformats.org/markup-compatibility/2006" xmlns:mv="urn:schemas-microsoft-com:mac:vml" xmlns:p="http://schemas.openxmlformats.org/presentationml/2006/main" xmlns:c="http://schemas.openxmlformats.org/drawingml/2006/chart" xmlns:dgm="http://schemas.openxmlformats.org/drawingml/2006/diagram" xmlns:o="urn:schemas-microsoft-com:office:office" xmlns:v="urn:schemas-microsoft-com:vml" xmlns:pvml="urn:schemas-microsoft-com:office:powerpoint" xmlns:com="http://schemas.openxmlformats.org/drawingml/2006/compatibility" xmlns:p14="http://schemas.microsoft.com/office/powerpoint/2010/main" xmlns:p15="http://schemas.microsoft.com/office/powerpoint/2012/main" xmlns:ahyp="http://schemas.microsoft.com/office/drawing/2018/hyperlinkcolor">
   <p:cSld>
     <p:spTree>
       <p:nvGrpSpPr>
-        <p:cNvPr id="295" name="Shape 295"/>
+        <p:cNvPr id="303" name="Shape 303"/>
         <p:cNvGrpSpPr/>
         <p:nvPr/>
       </p:nvGrpSpPr>
@@ -20548,7 +22195,7 @@
       </p:grpSpPr>
       <p:sp>
         <p:nvSpPr>
-          <p:cNvPr id="296" name="Google Shape;296;p50"/>
+          <p:cNvPr id="304" name="Google Shape;304;p51"/>
           <p:cNvSpPr txBox="1"/>
           <p:nvPr>
             <p:ph idx="4294967295" type="ctrTitle"/>
@@ -20628,7 +22275,7 @@
       </p:sp>
       <p:pic>
         <p:nvPicPr>
-          <p:cNvPr id="297" name="Google Shape;297;p50"/>
+          <p:cNvPr id="305" name="Google Shape;305;p51"/>
           <p:cNvPicPr preferRelativeResize="0"/>
           <p:nvPr/>
         </p:nvPicPr>
@@ -20655,7 +22302,7 @@
       </p:pic>
       <p:sp>
         <p:nvSpPr>
-          <p:cNvPr id="298" name="Google Shape;298;p50"/>
+          <p:cNvPr id="306" name="Google Shape;306;p51"/>
           <p:cNvSpPr/>
           <p:nvPr/>
         </p:nvSpPr>
@@ -20714,7 +22361,7 @@
       </p:sp>
       <p:graphicFrame>
         <p:nvGraphicFramePr>
-          <p:cNvPr id="299" name="Google Shape;299;p50"/>
+          <p:cNvPr id="307" name="Google Shape;307;p51"/>
           <p:cNvGraphicFramePr/>
           <p:nvPr/>
         </p:nvGraphicFramePr>
@@ -20727,7 +22374,7 @@
             <a:tbl>
               <a:tblPr bandRow="1" firstRow="1">
                 <a:noFill/>
-                <a:tableStyleId>{F67FCFDF-0261-478D-A26D-078A8AA21F42}</a:tableStyleId>
+                <a:tableStyleId>{69B06867-93D9-419C-94BB-D42DDA664F6D}</a:tableStyleId>
               </a:tblPr>
               <a:tblGrid>
                 <a:gridCol w="1394325"/>
@@ -21210,7 +22857,7 @@
       </p:graphicFrame>
       <p:graphicFrame>
         <p:nvGraphicFramePr>
-          <p:cNvPr id="300" name="Google Shape;300;p50"/>
+          <p:cNvPr id="308" name="Google Shape;308;p51"/>
           <p:cNvGraphicFramePr/>
           <p:nvPr/>
         </p:nvGraphicFramePr>
@@ -21236,7 +22883,7 @@
                   </a:gsLst>
                   <a:lin ang="16200038" scaled="0"/>
                 </a:gradFill>
-                <a:tableStyleId>{5B6FFDF6-E125-4389-873E-ABB670668F9B}</a:tableStyleId>
+                <a:tableStyleId>{BF051AF4-3CAD-401D-B69C-C60BB4B38C40}</a:tableStyleId>
               </a:tblPr>
               <a:tblGrid>
                 <a:gridCol w="4182975"/>
@@ -21285,12 +22932,12 @@
 </p:sld>
 </file>
 
-<file path=ppt/slides/slide27.xml><?xml version="1.0" encoding="utf-8"?>
+<file path=ppt/slides/slide28.xml><?xml version="1.0" encoding="utf-8"?>
 <p:sld xmlns:a="http://schemas.openxmlformats.org/drawingml/2006/main" xmlns:r="http://schemas.openxmlformats.org/officeDocument/2006/relationships" xmlns:mc="http://schemas.openxmlformats.org/markup-compatibility/2006" xmlns:mv="urn:schemas-microsoft-com:mac:vml" xmlns:p="http://schemas.openxmlformats.org/presentationml/2006/main" xmlns:c="http://schemas.openxmlformats.org/drawingml/2006/chart" xmlns:dgm="http://schemas.openxmlformats.org/drawingml/2006/diagram" xmlns:o="urn:schemas-microsoft-com:office:office" xmlns:v="urn:schemas-microsoft-com:vml" xmlns:pvml="urn:schemas-microsoft-com:office:powerpoint" xmlns:com="http://schemas.openxmlformats.org/drawingml/2006/compatibility" xmlns:p14="http://schemas.microsoft.com/office/powerpoint/2010/main" xmlns:p15="http://schemas.microsoft.com/office/powerpoint/2012/main" xmlns:ahyp="http://schemas.microsoft.com/office/drawing/2018/hyperlinkcolor">
   <p:cSld>
     <p:spTree>
       <p:nvGrpSpPr>
-        <p:cNvPr id="304" name="Shape 304"/>
+        <p:cNvPr id="312" name="Shape 312"/>
         <p:cNvGrpSpPr/>
         <p:nvPr/>
       </p:nvGrpSpPr>
@@ -21304,7 +22951,7 @@
       </p:grpSpPr>
       <p:sp>
         <p:nvSpPr>
-          <p:cNvPr id="305" name="Google Shape;305;p51"/>
+          <p:cNvPr id="313" name="Google Shape;313;p52"/>
           <p:cNvSpPr txBox="1"/>
           <p:nvPr>
             <p:ph type="title"/>
@@ -21369,7 +23016,7 @@
       </p:sp>
       <p:pic>
         <p:nvPicPr>
-          <p:cNvPr id="306" name="Google Shape;306;p51"/>
+          <p:cNvPr id="314" name="Google Shape;314;p52"/>
           <p:cNvPicPr preferRelativeResize="0"/>
           <p:nvPr/>
         </p:nvPicPr>
@@ -21402,12 +23049,12 @@
 </p:sld>
 </file>
 
-<file path=ppt/slides/slide28.xml><?xml version="1.0" encoding="utf-8"?>
+<file path=ppt/slides/slide29.xml><?xml version="1.0" encoding="utf-8"?>
 <p:sld xmlns:a="http://schemas.openxmlformats.org/drawingml/2006/main" xmlns:r="http://schemas.openxmlformats.org/officeDocument/2006/relationships" xmlns:mc="http://schemas.openxmlformats.org/markup-compatibility/2006" xmlns:mv="urn:schemas-microsoft-com:mac:vml" xmlns:p="http://schemas.openxmlformats.org/presentationml/2006/main" xmlns:c="http://schemas.openxmlformats.org/drawingml/2006/chart" xmlns:dgm="http://schemas.openxmlformats.org/drawingml/2006/diagram" xmlns:o="urn:schemas-microsoft-com:office:office" xmlns:v="urn:schemas-microsoft-com:vml" xmlns:pvml="urn:schemas-microsoft-com:office:powerpoint" xmlns:com="http://schemas.openxmlformats.org/drawingml/2006/compatibility" xmlns:p14="http://schemas.microsoft.com/office/powerpoint/2010/main" xmlns:p15="http://schemas.microsoft.com/office/powerpoint/2012/main" xmlns:ahyp="http://schemas.microsoft.com/office/drawing/2018/hyperlinkcolor">
   <p:cSld>
     <p:spTree>
       <p:nvGrpSpPr>
-        <p:cNvPr id="310" name="Shape 310"/>
+        <p:cNvPr id="318" name="Shape 318"/>
         <p:cNvGrpSpPr/>
         <p:nvPr/>
       </p:nvGrpSpPr>
@@ -21421,7 +23068,7 @@
       </p:grpSpPr>
       <p:pic>
         <p:nvPicPr>
-          <p:cNvPr id="311" name="Google Shape;311;p52"/>
+          <p:cNvPr id="319" name="Google Shape;319;p53"/>
           <p:cNvPicPr preferRelativeResize="0"/>
           <p:nvPr/>
         </p:nvPicPr>
@@ -21448,7 +23095,7 @@
       </p:pic>
       <p:sp>
         <p:nvSpPr>
-          <p:cNvPr id="312" name="Google Shape;312;p52"/>
+          <p:cNvPr id="320" name="Google Shape;320;p53"/>
           <p:cNvSpPr txBox="1"/>
           <p:nvPr>
             <p:ph idx="1" type="body"/>
@@ -21505,7 +23152,7 @@
       </p:sp>
       <p:pic>
         <p:nvPicPr>
-          <p:cNvPr id="313" name="Google Shape;313;p52"/>
+          <p:cNvPr id="321" name="Google Shape;321;p53"/>
           <p:cNvPicPr preferRelativeResize="0"/>
           <p:nvPr/>
         </p:nvPicPr>
@@ -21533,7 +23180,7 @@
       </p:pic>
       <p:pic>
         <p:nvPicPr>
-          <p:cNvPr id="314" name="Google Shape;314;p52"/>
+          <p:cNvPr id="322" name="Google Shape;322;p53"/>
           <p:cNvPicPr preferRelativeResize="0"/>
           <p:nvPr/>
         </p:nvPicPr>
@@ -21561,7 +23208,7 @@
       </p:pic>
       <p:pic>
         <p:nvPicPr>
-          <p:cNvPr id="315" name="Google Shape;315;p52"/>
+          <p:cNvPr id="323" name="Google Shape;323;p53"/>
           <p:cNvPicPr preferRelativeResize="0"/>
           <p:nvPr/>
         </p:nvPicPr>
@@ -21577,228 +23224,6 @@
           <a:xfrm>
             <a:off x="6022024" y="52699"/>
             <a:ext cx="2810274" cy="1542850"/>
-          </a:xfrm>
-          <a:prstGeom prst="rect">
-            <a:avLst/>
-          </a:prstGeom>
-          <a:noFill/>
-          <a:ln>
-            <a:noFill/>
-          </a:ln>
-        </p:spPr>
-      </p:pic>
-    </p:spTree>
-  </p:cSld>
-  <p:clrMapOvr>
-    <a:masterClrMapping/>
-  </p:clrMapOvr>
-</p:sld>
-</file>
-
-<file path=ppt/slides/slide29.xml><?xml version="1.0" encoding="utf-8"?>
-<p:sld xmlns:a="http://schemas.openxmlformats.org/drawingml/2006/main" xmlns:r="http://schemas.openxmlformats.org/officeDocument/2006/relationships" xmlns:mc="http://schemas.openxmlformats.org/markup-compatibility/2006" xmlns:mv="urn:schemas-microsoft-com:mac:vml" xmlns:p="http://schemas.openxmlformats.org/presentationml/2006/main" xmlns:c="http://schemas.openxmlformats.org/drawingml/2006/chart" xmlns:dgm="http://schemas.openxmlformats.org/drawingml/2006/diagram" xmlns:o="urn:schemas-microsoft-com:office:office" xmlns:v="urn:schemas-microsoft-com:vml" xmlns:pvml="urn:schemas-microsoft-com:office:powerpoint" xmlns:com="http://schemas.openxmlformats.org/drawingml/2006/compatibility" xmlns:p14="http://schemas.microsoft.com/office/powerpoint/2010/main" xmlns:p15="http://schemas.microsoft.com/office/powerpoint/2012/main" xmlns:ahyp="http://schemas.microsoft.com/office/drawing/2018/hyperlinkcolor">
-  <p:cSld>
-    <p:bg>
-      <p:bgPr>
-        <a:solidFill>
-          <a:srgbClr val="00DBD0"/>
-        </a:solidFill>
-      </p:bgPr>
-    </p:bg>
-    <p:spTree>
-      <p:nvGrpSpPr>
-        <p:cNvPr id="319" name="Shape 319"/>
-        <p:cNvGrpSpPr/>
-        <p:nvPr/>
-      </p:nvGrpSpPr>
-      <p:grpSpPr>
-        <a:xfrm>
-          <a:off x="0" y="0"/>
-          <a:ext cx="0" cy="0"/>
-          <a:chOff x="0" y="0"/>
-          <a:chExt cx="0" cy="0"/>
-        </a:xfrm>
-      </p:grpSpPr>
-      <p:sp>
-        <p:nvSpPr>
-          <p:cNvPr id="320" name="Google Shape;320;p53"/>
-          <p:cNvSpPr txBox="1"/>
-          <p:nvPr>
-            <p:ph idx="4294967295" type="ctrTitle"/>
-          </p:nvPr>
-        </p:nvSpPr>
-        <p:spPr>
-          <a:xfrm>
-            <a:off x="626076" y="1873350"/>
-            <a:ext cx="7833983" cy="698400"/>
-          </a:xfrm>
-          <a:prstGeom prst="rect">
-            <a:avLst/>
-          </a:prstGeom>
-          <a:noFill/>
-          <a:ln>
-            <a:noFill/>
-          </a:ln>
-        </p:spPr>
-        <p:txBody>
-          <a:bodyPr anchorCtr="0" anchor="t" bIns="91425" lIns="91425" spcFirstLastPara="1" rIns="91425" wrap="square" tIns="91425">
-            <a:noAutofit/>
-          </a:bodyPr>
-          <a:lstStyle/>
-          <a:p>
-            <a:pPr indent="0" lvl="0" marL="0" marR="0" rtl="0" algn="l">
-              <a:lnSpc>
-                <a:spcPct val="100000"/>
-              </a:lnSpc>
-              <a:spcBef>
-                <a:spcPts val="0"/>
-              </a:spcBef>
-              <a:spcAft>
-                <a:spcPts val="0"/>
-              </a:spcAft>
-              <a:buClr>
-                <a:schemeClr val="dk1"/>
-              </a:buClr>
-              <a:buSzPts val="2800"/>
-              <a:buFont typeface="Arial"/>
-              <a:buNone/>
-            </a:pPr>
-            <a:r>
-              <a:rPr b="1" i="0" lang="en" sz="3600" u="none" cap="none" strike="noStrike">
-                <a:solidFill>
-                  <a:srgbClr val="0E3449"/>
-                </a:solidFill>
-                <a:latin typeface="Inter"/>
-                <a:ea typeface="Inter"/>
-                <a:cs typeface="Inter"/>
-                <a:sym typeface="Inter"/>
-              </a:rPr>
-              <a:t>Merci pour votre aimable attention ! </a:t>
-            </a:r>
-            <a:endParaRPr b="1" i="0" sz="3600" u="none" cap="none" strike="noStrike">
-              <a:solidFill>
-                <a:srgbClr val="0E3449"/>
-              </a:solidFill>
-              <a:latin typeface="Inter"/>
-              <a:ea typeface="Inter"/>
-              <a:cs typeface="Inter"/>
-              <a:sym typeface="Inter"/>
-            </a:endParaRPr>
-          </a:p>
-        </p:txBody>
-      </p:sp>
-      <p:pic>
-        <p:nvPicPr>
-          <p:cNvPr id="321" name="Google Shape;321;p53"/>
-          <p:cNvPicPr preferRelativeResize="0"/>
-          <p:nvPr/>
-        </p:nvPicPr>
-        <p:blipFill rotWithShape="1">
-          <a:blip r:embed="rId3">
-            <a:alphaModFix/>
-          </a:blip>
-          <a:srcRect b="0" l="0" r="0" t="0"/>
-          <a:stretch/>
-        </p:blipFill>
-        <p:spPr>
-          <a:xfrm>
-            <a:off x="3918625" y="3036362"/>
-            <a:ext cx="4599299" cy="2136876"/>
-          </a:xfrm>
-          <a:prstGeom prst="rect">
-            <a:avLst/>
-          </a:prstGeom>
-          <a:noFill/>
-          <a:ln>
-            <a:noFill/>
-          </a:ln>
-        </p:spPr>
-      </p:pic>
-      <p:sp>
-        <p:nvSpPr>
-          <p:cNvPr id="322" name="Google Shape;322;p53"/>
-          <p:cNvSpPr txBox="1"/>
-          <p:nvPr>
-            <p:ph idx="4294967295" type="ctrTitle"/>
-          </p:nvPr>
-        </p:nvSpPr>
-        <p:spPr>
-          <a:xfrm>
-            <a:off x="626076" y="3725863"/>
-            <a:ext cx="2789734" cy="698400"/>
-          </a:xfrm>
-          <a:prstGeom prst="rect">
-            <a:avLst/>
-          </a:prstGeom>
-          <a:noFill/>
-          <a:ln>
-            <a:noFill/>
-          </a:ln>
-        </p:spPr>
-        <p:txBody>
-          <a:bodyPr anchorCtr="0" anchor="t" bIns="91425" lIns="91425" spcFirstLastPara="1" rIns="91425" wrap="square" tIns="91425">
-            <a:noAutofit/>
-          </a:bodyPr>
-          <a:lstStyle/>
-          <a:p>
-            <a:pPr indent="0" lvl="0" marL="0" marR="0" rtl="0" algn="l">
-              <a:lnSpc>
-                <a:spcPct val="100000"/>
-              </a:lnSpc>
-              <a:spcBef>
-                <a:spcPts val="0"/>
-              </a:spcBef>
-              <a:spcAft>
-                <a:spcPts val="0"/>
-              </a:spcAft>
-              <a:buClr>
-                <a:schemeClr val="dk1"/>
-              </a:buClr>
-              <a:buSzPts val="2800"/>
-              <a:buFont typeface="Arial"/>
-              <a:buNone/>
-            </a:pPr>
-            <a:r>
-              <a:rPr b="1" i="0" lang="en" sz="2400" u="none" cap="none" strike="noStrike">
-                <a:solidFill>
-                  <a:srgbClr val="0E3449"/>
-                </a:solidFill>
-                <a:latin typeface="Inter"/>
-                <a:ea typeface="Inter"/>
-                <a:cs typeface="Inter"/>
-                <a:sym typeface="Inter"/>
-              </a:rPr>
-              <a:t>Question(s) ? </a:t>
-            </a:r>
-            <a:endParaRPr b="1" i="0" sz="2400" u="none" cap="none" strike="noStrike">
-              <a:solidFill>
-                <a:srgbClr val="0E3449"/>
-              </a:solidFill>
-              <a:latin typeface="Inter"/>
-              <a:ea typeface="Inter"/>
-              <a:cs typeface="Inter"/>
-              <a:sym typeface="Inter"/>
-            </a:endParaRPr>
-          </a:p>
-        </p:txBody>
-      </p:sp>
-      <p:pic>
-        <p:nvPicPr>
-          <p:cNvPr id="323" name="Google Shape;323;p53"/>
-          <p:cNvPicPr preferRelativeResize="0"/>
-          <p:nvPr/>
-        </p:nvPicPr>
-        <p:blipFill rotWithShape="1">
-          <a:blip r:embed="rId4">
-            <a:alphaModFix/>
-          </a:blip>
-          <a:srcRect b="0" l="0" r="0" t="0"/>
-          <a:stretch/>
-        </p:blipFill>
-        <p:spPr>
-          <a:xfrm>
-            <a:off x="1089727" y="719237"/>
-            <a:ext cx="797425" cy="839825"/>
           </a:xfrm>
           <a:prstGeom prst="rect">
             <a:avLst/>
@@ -22169,6 +23594,228 @@
           <a:xfrm>
             <a:off x="3340900" y="59125"/>
             <a:ext cx="5803099" cy="5016800"/>
+          </a:xfrm>
+          <a:prstGeom prst="rect">
+            <a:avLst/>
+          </a:prstGeom>
+          <a:noFill/>
+          <a:ln>
+            <a:noFill/>
+          </a:ln>
+        </p:spPr>
+      </p:pic>
+    </p:spTree>
+  </p:cSld>
+  <p:clrMapOvr>
+    <a:masterClrMapping/>
+  </p:clrMapOvr>
+</p:sld>
+</file>
+
+<file path=ppt/slides/slide30.xml><?xml version="1.0" encoding="utf-8"?>
+<p:sld xmlns:a="http://schemas.openxmlformats.org/drawingml/2006/main" xmlns:r="http://schemas.openxmlformats.org/officeDocument/2006/relationships" xmlns:mc="http://schemas.openxmlformats.org/markup-compatibility/2006" xmlns:mv="urn:schemas-microsoft-com:mac:vml" xmlns:p="http://schemas.openxmlformats.org/presentationml/2006/main" xmlns:c="http://schemas.openxmlformats.org/drawingml/2006/chart" xmlns:dgm="http://schemas.openxmlformats.org/drawingml/2006/diagram" xmlns:o="urn:schemas-microsoft-com:office:office" xmlns:v="urn:schemas-microsoft-com:vml" xmlns:pvml="urn:schemas-microsoft-com:office:powerpoint" xmlns:com="http://schemas.openxmlformats.org/drawingml/2006/compatibility" xmlns:p14="http://schemas.microsoft.com/office/powerpoint/2010/main" xmlns:p15="http://schemas.microsoft.com/office/powerpoint/2012/main" xmlns:ahyp="http://schemas.microsoft.com/office/drawing/2018/hyperlinkcolor">
+  <p:cSld>
+    <p:bg>
+      <p:bgPr>
+        <a:solidFill>
+          <a:srgbClr val="00DBD0"/>
+        </a:solidFill>
+      </p:bgPr>
+    </p:bg>
+    <p:spTree>
+      <p:nvGrpSpPr>
+        <p:cNvPr id="327" name="Shape 327"/>
+        <p:cNvGrpSpPr/>
+        <p:nvPr/>
+      </p:nvGrpSpPr>
+      <p:grpSpPr>
+        <a:xfrm>
+          <a:off x="0" y="0"/>
+          <a:ext cx="0" cy="0"/>
+          <a:chOff x="0" y="0"/>
+          <a:chExt cx="0" cy="0"/>
+        </a:xfrm>
+      </p:grpSpPr>
+      <p:sp>
+        <p:nvSpPr>
+          <p:cNvPr id="328" name="Google Shape;328;p54"/>
+          <p:cNvSpPr txBox="1"/>
+          <p:nvPr>
+            <p:ph idx="4294967295" type="ctrTitle"/>
+          </p:nvPr>
+        </p:nvSpPr>
+        <p:spPr>
+          <a:xfrm>
+            <a:off x="626076" y="1873350"/>
+            <a:ext cx="7833983" cy="698400"/>
+          </a:xfrm>
+          <a:prstGeom prst="rect">
+            <a:avLst/>
+          </a:prstGeom>
+          <a:noFill/>
+          <a:ln>
+            <a:noFill/>
+          </a:ln>
+        </p:spPr>
+        <p:txBody>
+          <a:bodyPr anchorCtr="0" anchor="t" bIns="91425" lIns="91425" spcFirstLastPara="1" rIns="91425" wrap="square" tIns="91425">
+            <a:noAutofit/>
+          </a:bodyPr>
+          <a:lstStyle/>
+          <a:p>
+            <a:pPr indent="0" lvl="0" marL="0" marR="0" rtl="0" algn="l">
+              <a:lnSpc>
+                <a:spcPct val="100000"/>
+              </a:lnSpc>
+              <a:spcBef>
+                <a:spcPts val="0"/>
+              </a:spcBef>
+              <a:spcAft>
+                <a:spcPts val="0"/>
+              </a:spcAft>
+              <a:buClr>
+                <a:schemeClr val="dk1"/>
+              </a:buClr>
+              <a:buSzPts val="2800"/>
+              <a:buFont typeface="Arial"/>
+              <a:buNone/>
+            </a:pPr>
+            <a:r>
+              <a:rPr b="1" i="0" lang="en" sz="3600" u="none" cap="none" strike="noStrike">
+                <a:solidFill>
+                  <a:srgbClr val="0E3449"/>
+                </a:solidFill>
+                <a:latin typeface="Inter"/>
+                <a:ea typeface="Inter"/>
+                <a:cs typeface="Inter"/>
+                <a:sym typeface="Inter"/>
+              </a:rPr>
+              <a:t>Merci pour votre aimable attention ! </a:t>
+            </a:r>
+            <a:endParaRPr b="1" i="0" sz="3600" u="none" cap="none" strike="noStrike">
+              <a:solidFill>
+                <a:srgbClr val="0E3449"/>
+              </a:solidFill>
+              <a:latin typeface="Inter"/>
+              <a:ea typeface="Inter"/>
+              <a:cs typeface="Inter"/>
+              <a:sym typeface="Inter"/>
+            </a:endParaRPr>
+          </a:p>
+        </p:txBody>
+      </p:sp>
+      <p:pic>
+        <p:nvPicPr>
+          <p:cNvPr id="329" name="Google Shape;329;p54"/>
+          <p:cNvPicPr preferRelativeResize="0"/>
+          <p:nvPr/>
+        </p:nvPicPr>
+        <p:blipFill rotWithShape="1">
+          <a:blip r:embed="rId3">
+            <a:alphaModFix/>
+          </a:blip>
+          <a:srcRect b="0" l="0" r="0" t="0"/>
+          <a:stretch/>
+        </p:blipFill>
+        <p:spPr>
+          <a:xfrm>
+            <a:off x="3918625" y="3036362"/>
+            <a:ext cx="4599299" cy="2136876"/>
+          </a:xfrm>
+          <a:prstGeom prst="rect">
+            <a:avLst/>
+          </a:prstGeom>
+          <a:noFill/>
+          <a:ln>
+            <a:noFill/>
+          </a:ln>
+        </p:spPr>
+      </p:pic>
+      <p:sp>
+        <p:nvSpPr>
+          <p:cNvPr id="330" name="Google Shape;330;p54"/>
+          <p:cNvSpPr txBox="1"/>
+          <p:nvPr>
+            <p:ph idx="4294967295" type="ctrTitle"/>
+          </p:nvPr>
+        </p:nvSpPr>
+        <p:spPr>
+          <a:xfrm>
+            <a:off x="626076" y="3725863"/>
+            <a:ext cx="2789734" cy="698400"/>
+          </a:xfrm>
+          <a:prstGeom prst="rect">
+            <a:avLst/>
+          </a:prstGeom>
+          <a:noFill/>
+          <a:ln>
+            <a:noFill/>
+          </a:ln>
+        </p:spPr>
+        <p:txBody>
+          <a:bodyPr anchorCtr="0" anchor="t" bIns="91425" lIns="91425" spcFirstLastPara="1" rIns="91425" wrap="square" tIns="91425">
+            <a:noAutofit/>
+          </a:bodyPr>
+          <a:lstStyle/>
+          <a:p>
+            <a:pPr indent="0" lvl="0" marL="0" marR="0" rtl="0" algn="l">
+              <a:lnSpc>
+                <a:spcPct val="100000"/>
+              </a:lnSpc>
+              <a:spcBef>
+                <a:spcPts val="0"/>
+              </a:spcBef>
+              <a:spcAft>
+                <a:spcPts val="0"/>
+              </a:spcAft>
+              <a:buClr>
+                <a:schemeClr val="dk1"/>
+              </a:buClr>
+              <a:buSzPts val="2800"/>
+              <a:buFont typeface="Arial"/>
+              <a:buNone/>
+            </a:pPr>
+            <a:r>
+              <a:rPr b="1" i="0" lang="en" sz="2400" u="none" cap="none" strike="noStrike">
+                <a:solidFill>
+                  <a:srgbClr val="0E3449"/>
+                </a:solidFill>
+                <a:latin typeface="Inter"/>
+                <a:ea typeface="Inter"/>
+                <a:cs typeface="Inter"/>
+                <a:sym typeface="Inter"/>
+              </a:rPr>
+              <a:t>Question(s) ? </a:t>
+            </a:r>
+            <a:endParaRPr b="1" i="0" sz="2400" u="none" cap="none" strike="noStrike">
+              <a:solidFill>
+                <a:srgbClr val="0E3449"/>
+              </a:solidFill>
+              <a:latin typeface="Inter"/>
+              <a:ea typeface="Inter"/>
+              <a:cs typeface="Inter"/>
+              <a:sym typeface="Inter"/>
+            </a:endParaRPr>
+          </a:p>
+        </p:txBody>
+      </p:sp>
+      <p:pic>
+        <p:nvPicPr>
+          <p:cNvPr id="331" name="Google Shape;331;p54"/>
+          <p:cNvPicPr preferRelativeResize="0"/>
+          <p:nvPr/>
+        </p:nvPicPr>
+        <p:blipFill rotWithShape="1">
+          <a:blip r:embed="rId4">
+            <a:alphaModFix/>
+          </a:blip>
+          <a:srcRect b="0" l="0" r="0" t="0"/>
+          <a:stretch/>
+        </p:blipFill>
+        <p:spPr>
+          <a:xfrm>
+            <a:off x="1089727" y="719237"/>
+            <a:ext cx="797425" cy="839825"/>
           </a:xfrm>
           <a:prstGeom prst="rect">
             <a:avLst/>
